--- a/BCI - Day6 - DeFi 3 Opensea ERC721.pptx
+++ b/BCI - Day6 - DeFi 3 Opensea ERC721.pptx
@@ -11,9 +11,22 @@
     <p:sldId id="1840" r:id="rId3"/>
     <p:sldId id="1387" r:id="rId4"/>
     <p:sldId id="1551" r:id="rId6"/>
-    <p:sldId id="1826" r:id="rId7"/>
-    <p:sldId id="1838" r:id="rId8"/>
-    <p:sldId id="1839" r:id="rId9"/>
+    <p:sldId id="1846" r:id="rId7"/>
+    <p:sldId id="1847" r:id="rId8"/>
+    <p:sldId id="1848" r:id="rId9"/>
+    <p:sldId id="1852" r:id="rId10"/>
+    <p:sldId id="1854" r:id="rId11"/>
+    <p:sldId id="1855" r:id="rId12"/>
+    <p:sldId id="1856" r:id="rId13"/>
+    <p:sldId id="1859" r:id="rId14"/>
+    <p:sldId id="1853" r:id="rId15"/>
+    <p:sldId id="1839" r:id="rId16"/>
+    <p:sldId id="1857" r:id="rId17"/>
+    <p:sldId id="1858" r:id="rId18"/>
+    <p:sldId id="1860" r:id="rId19"/>
+    <p:sldId id="1861" r:id="rId20"/>
+    <p:sldId id="1862" r:id="rId21"/>
+    <p:sldId id="1863" r:id="rId22"/>
   </p:sldIdLst>
   <p:sldSz cx="9144000" cy="6858000" type="screen4x3"/>
   <p:notesSz cx="7315200" cy="9601200"/>
@@ -7256,6 +7269,2258 @@
 </p:sld>
 </file>
 
+<file path=ppt/slides/slide10.xml><?xml version="1.0" encoding="utf-8"?>
+<p:sld xmlns:a="http://schemas.openxmlformats.org/drawingml/2006/main" xmlns:r="http://schemas.openxmlformats.org/officeDocument/2006/relationships" xmlns:p="http://schemas.openxmlformats.org/presentationml/2006/main">
+  <p:cSld>
+    <p:spTree>
+      <p:nvGrpSpPr>
+        <p:cNvPr id="1" name=""/>
+        <p:cNvGrpSpPr/>
+        <p:nvPr/>
+      </p:nvGrpSpPr>
+      <p:grpSpPr>
+        <a:xfrm>
+          <a:off x="0" y="0"/>
+          <a:ext cx="0" cy="0"/>
+          <a:chOff x="0" y="0"/>
+          <a:chExt cx="0" cy="0"/>
+        </a:xfrm>
+      </p:grpSpPr>
+      <p:sp>
+        <p:nvSpPr>
+          <p:cNvPr id="2" name="Title 1"/>
+          <p:cNvSpPr>
+            <a:spLocks noGrp="1"/>
+          </p:cNvSpPr>
+          <p:nvPr>
+            <p:ph type="title"/>
+          </p:nvPr>
+        </p:nvSpPr>
+        <p:spPr>
+          <a:xfrm>
+            <a:off x="628650" y="155263"/>
+            <a:ext cx="7886700" cy="526790"/>
+          </a:xfrm>
+        </p:spPr>
+        <p:txBody>
+          <a:bodyPr>
+            <a:normAutofit fontScale="90000"/>
+          </a:bodyPr>
+          <a:lstStyle/>
+          <a:p>
+            <a:pPr algn="ctr"/>
+            <a:r>
+              <a:rPr lang="en-US" sz="3200" b="1" dirty="0">
+                <a:latin typeface="Calibri" panose="020F0502020204030204" pitchFamily="34" charset="0"/>
+                <a:cs typeface="Calibri" panose="020F0502020204030204" pitchFamily="34" charset="0"/>
+              </a:rPr>
+              <a:t>What is Opensea</a:t>
+            </a:r>
+            <a:endParaRPr lang="en-US" sz="3200" b="1" dirty="0">
+              <a:latin typeface="Calibri" panose="020F0502020204030204" pitchFamily="34" charset="0"/>
+              <a:cs typeface="Calibri" panose="020F0502020204030204" pitchFamily="34" charset="0"/>
+            </a:endParaRPr>
+          </a:p>
+        </p:txBody>
+      </p:sp>
+      <p:sp>
+        <p:nvSpPr>
+          <p:cNvPr id="3" name="Content Placeholder 2"/>
+          <p:cNvSpPr>
+            <a:spLocks noGrp="1"/>
+          </p:cNvSpPr>
+          <p:nvPr>
+            <p:ph idx="1"/>
+          </p:nvPr>
+        </p:nvSpPr>
+        <p:spPr>
+          <a:xfrm>
+            <a:off x="628650" y="989044"/>
+            <a:ext cx="7886700" cy="5605719"/>
+          </a:xfrm>
+        </p:spPr>
+        <p:txBody>
+          <a:bodyPr>
+            <a:normAutofit/>
+          </a:bodyPr>
+          <a:lstStyle/>
+          <a:p>
+            <a:pPr marL="228600" lvl="0" indent="-228600" defTabSz="342900">
+              <a:lnSpc>
+                <a:spcPct val="120000"/>
+              </a:lnSpc>
+              <a:buFont typeface="Arial" panose="020B0604020202020204" pitchFamily="34" charset="0"/>
+              <a:buChar char="•"/>
+            </a:pPr>
+            <a:r>
+              <a:rPr lang="en-US" altLang="en-US" sz="1800" dirty="0">
+                <a:solidFill>
+                  <a:srgbClr val="262626"/>
+                </a:solidFill>
+              </a:rPr>
+              <a:t>Category - Search Bar - Goods Listing </a:t>
+            </a:r>
+            <a:r>
+              <a:rPr lang="en-US" altLang="en-US" sz="1800" dirty="0">
+                <a:solidFill>
+                  <a:srgbClr val="262626"/>
+                </a:solidFill>
+                <a:sym typeface="+mn-ea"/>
+              </a:rPr>
+              <a:t>(go through the website)</a:t>
+            </a:r>
+            <a:endParaRPr lang="en-US" altLang="en-US" sz="1800" dirty="0">
+              <a:solidFill>
+                <a:srgbClr val="262626"/>
+              </a:solidFill>
+            </a:endParaRPr>
+          </a:p>
+          <a:p>
+            <a:pPr marL="228600" lvl="0" indent="-228600" defTabSz="342900">
+              <a:lnSpc>
+                <a:spcPct val="120000"/>
+              </a:lnSpc>
+              <a:buFont typeface="Arial" panose="020B0604020202020204" pitchFamily="34" charset="0"/>
+              <a:buChar char="•"/>
+            </a:pPr>
+            <a:endParaRPr lang="en-US" altLang="en-US" sz="1800" dirty="0">
+              <a:solidFill>
+                <a:srgbClr val="262626"/>
+              </a:solidFill>
+            </a:endParaRPr>
+          </a:p>
+          <a:p>
+            <a:pPr marL="228600" lvl="0" indent="-228600" defTabSz="342900">
+              <a:lnSpc>
+                <a:spcPct val="120000"/>
+              </a:lnSpc>
+              <a:buFont typeface="Arial" panose="020B0604020202020204" pitchFamily="34" charset="0"/>
+              <a:buChar char="•"/>
+            </a:pPr>
+            <a:endParaRPr lang="en-US" altLang="en-US" sz="1800" dirty="0">
+              <a:solidFill>
+                <a:srgbClr val="262626"/>
+              </a:solidFill>
+            </a:endParaRPr>
+          </a:p>
+        </p:txBody>
+      </p:sp>
+      <p:pic>
+        <p:nvPicPr>
+          <p:cNvPr id="5" name="图片 4"/>
+          <p:cNvPicPr>
+            <a:picLocks noChangeAspect="1"/>
+          </p:cNvPicPr>
+          <p:nvPr/>
+        </p:nvPicPr>
+        <p:blipFill>
+          <a:blip r:embed="rId1"/>
+          <a:stretch>
+            <a:fillRect/>
+          </a:stretch>
+        </p:blipFill>
+        <p:spPr>
+          <a:xfrm>
+            <a:off x="628650" y="1506220"/>
+            <a:ext cx="8119745" cy="3845560"/>
+          </a:xfrm>
+          <a:prstGeom prst="rect">
+            <a:avLst/>
+          </a:prstGeom>
+        </p:spPr>
+      </p:pic>
+      <p:pic>
+        <p:nvPicPr>
+          <p:cNvPr id="6" name="图片 5"/>
+          <p:cNvPicPr>
+            <a:picLocks noChangeAspect="1"/>
+          </p:cNvPicPr>
+          <p:nvPr/>
+        </p:nvPicPr>
+        <p:blipFill>
+          <a:blip r:embed="rId2"/>
+          <a:stretch>
+            <a:fillRect/>
+          </a:stretch>
+        </p:blipFill>
+        <p:spPr>
+          <a:xfrm>
+            <a:off x="628650" y="1506220"/>
+            <a:ext cx="8108950" cy="3845560"/>
+          </a:xfrm>
+          <a:prstGeom prst="rect">
+            <a:avLst/>
+          </a:prstGeom>
+        </p:spPr>
+      </p:pic>
+    </p:spTree>
+  </p:cSld>
+  <p:clrMapOvr>
+    <a:masterClrMapping/>
+  </p:clrMapOvr>
+</p:sld>
+</file>
+
+<file path=ppt/slides/slide11.xml><?xml version="1.0" encoding="utf-8"?>
+<p:sld xmlns:a="http://schemas.openxmlformats.org/drawingml/2006/main" xmlns:r="http://schemas.openxmlformats.org/officeDocument/2006/relationships" xmlns:p="http://schemas.openxmlformats.org/presentationml/2006/main">
+  <p:cSld>
+    <p:spTree>
+      <p:nvGrpSpPr>
+        <p:cNvPr id="1" name=""/>
+        <p:cNvGrpSpPr/>
+        <p:nvPr/>
+      </p:nvGrpSpPr>
+      <p:grpSpPr>
+        <a:xfrm>
+          <a:off x="0" y="0"/>
+          <a:ext cx="0" cy="0"/>
+          <a:chOff x="0" y="0"/>
+          <a:chExt cx="0" cy="0"/>
+        </a:xfrm>
+      </p:grpSpPr>
+      <p:sp>
+        <p:nvSpPr>
+          <p:cNvPr id="2" name="Title 1"/>
+          <p:cNvSpPr>
+            <a:spLocks noGrp="1"/>
+          </p:cNvSpPr>
+          <p:nvPr>
+            <p:ph type="title"/>
+          </p:nvPr>
+        </p:nvSpPr>
+        <p:spPr>
+          <a:xfrm>
+            <a:off x="628650" y="155263"/>
+            <a:ext cx="7886700" cy="526790"/>
+          </a:xfrm>
+        </p:spPr>
+        <p:txBody>
+          <a:bodyPr>
+            <a:normAutofit fontScale="90000"/>
+          </a:bodyPr>
+          <a:lstStyle/>
+          <a:p>
+            <a:pPr algn="ctr"/>
+            <a:r>
+              <a:rPr lang="en-US" sz="3200" b="1" dirty="0">
+                <a:latin typeface="Calibri" panose="020F0502020204030204" pitchFamily="34" charset="0"/>
+                <a:cs typeface="Calibri" panose="020F0502020204030204" pitchFamily="34" charset="0"/>
+              </a:rPr>
+              <a:t>What is Opensea</a:t>
+            </a:r>
+            <a:endParaRPr lang="en-US" sz="3200" b="1" dirty="0">
+              <a:latin typeface="Calibri" panose="020F0502020204030204" pitchFamily="34" charset="0"/>
+              <a:cs typeface="Calibri" panose="020F0502020204030204" pitchFamily="34" charset="0"/>
+            </a:endParaRPr>
+          </a:p>
+        </p:txBody>
+      </p:sp>
+      <p:sp>
+        <p:nvSpPr>
+          <p:cNvPr id="3" name="Content Placeholder 2"/>
+          <p:cNvSpPr>
+            <a:spLocks noGrp="1"/>
+          </p:cNvSpPr>
+          <p:nvPr>
+            <p:ph idx="1"/>
+          </p:nvPr>
+        </p:nvSpPr>
+        <p:spPr>
+          <a:xfrm>
+            <a:off x="628650" y="989044"/>
+            <a:ext cx="7886700" cy="5605719"/>
+          </a:xfrm>
+        </p:spPr>
+        <p:txBody>
+          <a:bodyPr>
+            <a:normAutofit/>
+          </a:bodyPr>
+          <a:lstStyle/>
+          <a:p>
+            <a:pPr marL="228600" lvl="0" indent="-228600" defTabSz="342900">
+              <a:lnSpc>
+                <a:spcPct val="120000"/>
+              </a:lnSpc>
+              <a:buFont typeface="Arial" panose="020B0604020202020204" pitchFamily="34" charset="0"/>
+              <a:buChar char="•"/>
+            </a:pPr>
+            <a:r>
+              <a:rPr lang="en-US" altLang="en-US" sz="1800" dirty="0">
+                <a:solidFill>
+                  <a:srgbClr val="262626"/>
+                </a:solidFill>
+              </a:rPr>
+              <a:t>Real Logic Behind NFT</a:t>
+            </a:r>
+            <a:endParaRPr lang="en-US" altLang="en-US" sz="1800" dirty="0">
+              <a:solidFill>
+                <a:srgbClr val="262626"/>
+              </a:solidFill>
+            </a:endParaRPr>
+          </a:p>
+          <a:p>
+            <a:pPr marL="228600" lvl="0" indent="-228600" defTabSz="342900">
+              <a:lnSpc>
+                <a:spcPct val="120000"/>
+              </a:lnSpc>
+              <a:buFont typeface="Arial" panose="020B0604020202020204" pitchFamily="34" charset="0"/>
+              <a:buChar char="•"/>
+            </a:pPr>
+            <a:endParaRPr lang="en-US" altLang="en-US" sz="1800" dirty="0">
+              <a:solidFill>
+                <a:srgbClr val="262626"/>
+              </a:solidFill>
+            </a:endParaRPr>
+          </a:p>
+        </p:txBody>
+      </p:sp>
+      <p:sp>
+        <p:nvSpPr>
+          <p:cNvPr id="4" name="矩形 3"/>
+          <p:cNvSpPr/>
+          <p:nvPr/>
+        </p:nvSpPr>
+        <p:spPr>
+          <a:xfrm>
+            <a:off x="1137920" y="3011170"/>
+            <a:ext cx="1613535" cy="835660"/>
+          </a:xfrm>
+          <a:prstGeom prst="rect">
+            <a:avLst/>
+          </a:prstGeom>
+        </p:spPr>
+        <p:style>
+          <a:lnRef idx="2">
+            <a:schemeClr val="accent3">
+              <a:shade val="50000"/>
+            </a:schemeClr>
+          </a:lnRef>
+          <a:fillRef idx="1">
+            <a:schemeClr val="accent3"/>
+          </a:fillRef>
+          <a:effectRef idx="0">
+            <a:schemeClr val="accent3"/>
+          </a:effectRef>
+          <a:fontRef idx="minor">
+            <a:schemeClr val="lt1"/>
+          </a:fontRef>
+        </p:style>
+        <p:txBody>
+          <a:bodyPr rtlCol="0" anchor="ctr"/>
+          <a:p>
+            <a:pPr algn="ctr"/>
+            <a:r>
+              <a:rPr lang="en-US" altLang="zh-CN"/>
+              <a:t>NFT TOKEN</a:t>
+            </a:r>
+            <a:endParaRPr lang="en-US" altLang="zh-CN"/>
+          </a:p>
+          <a:p>
+            <a:pPr algn="ctr"/>
+            <a:r>
+              <a:rPr lang="en-US" altLang="zh-CN"/>
+              <a:t>TOKENURI</a:t>
+            </a:r>
+            <a:endParaRPr lang="en-US" altLang="zh-CN"/>
+          </a:p>
+        </p:txBody>
+      </p:sp>
+      <p:sp>
+        <p:nvSpPr>
+          <p:cNvPr id="7" name="矩形 6"/>
+          <p:cNvSpPr/>
+          <p:nvPr/>
+        </p:nvSpPr>
+        <p:spPr>
+          <a:xfrm>
+            <a:off x="4815205" y="1310005"/>
+            <a:ext cx="1628140" cy="2002790"/>
+          </a:xfrm>
+          <a:prstGeom prst="rect">
+            <a:avLst/>
+          </a:prstGeom>
+        </p:spPr>
+        <p:style>
+          <a:lnRef idx="2">
+            <a:schemeClr val="accent3">
+              <a:shade val="50000"/>
+            </a:schemeClr>
+          </a:lnRef>
+          <a:fillRef idx="1">
+            <a:schemeClr val="accent3"/>
+          </a:fillRef>
+          <a:effectRef idx="0">
+            <a:schemeClr val="accent3"/>
+          </a:effectRef>
+          <a:fontRef idx="minor">
+            <a:schemeClr val="lt1"/>
+          </a:fontRef>
+        </p:style>
+        <p:txBody>
+          <a:bodyPr rtlCol="0" anchor="ctr"/>
+          <a:p>
+            <a:pPr algn="ctr"/>
+            <a:r>
+              <a:rPr lang="en-US" altLang="zh-CN"/>
+              <a:t>Centralized Orgnization or Individual Redeem</a:t>
+            </a:r>
+            <a:endParaRPr lang="en-US" altLang="zh-CN"/>
+          </a:p>
+          <a:p>
+            <a:pPr algn="ctr"/>
+            <a:r>
+              <a:rPr lang="en-US" altLang="zh-CN"/>
+              <a:t>(Real world)</a:t>
+            </a:r>
+            <a:endParaRPr lang="en-US" altLang="zh-CN"/>
+          </a:p>
+        </p:txBody>
+      </p:sp>
+      <p:sp>
+        <p:nvSpPr>
+          <p:cNvPr id="8" name="矩形 7"/>
+          <p:cNvSpPr/>
+          <p:nvPr/>
+        </p:nvSpPr>
+        <p:spPr>
+          <a:xfrm>
+            <a:off x="4815205" y="3785235"/>
+            <a:ext cx="1628140" cy="2002790"/>
+          </a:xfrm>
+          <a:prstGeom prst="rect">
+            <a:avLst/>
+          </a:prstGeom>
+        </p:spPr>
+        <p:style>
+          <a:lnRef idx="2">
+            <a:schemeClr val="accent3">
+              <a:shade val="50000"/>
+            </a:schemeClr>
+          </a:lnRef>
+          <a:fillRef idx="1">
+            <a:schemeClr val="accent3"/>
+          </a:fillRef>
+          <a:effectRef idx="0">
+            <a:schemeClr val="accent3"/>
+          </a:effectRef>
+          <a:fontRef idx="minor">
+            <a:schemeClr val="lt1"/>
+          </a:fontRef>
+        </p:style>
+        <p:txBody>
+          <a:bodyPr rtlCol="0" anchor="ctr"/>
+          <a:p>
+            <a:pPr algn="ctr"/>
+            <a:r>
+              <a:rPr lang="en-US" altLang="zh-CN"/>
+              <a:t>Decentralized Sale</a:t>
+            </a:r>
+            <a:endParaRPr lang="en-US" altLang="zh-CN"/>
+          </a:p>
+          <a:p>
+            <a:pPr algn="ctr"/>
+            <a:r>
+              <a:rPr lang="en-US" altLang="zh-CN"/>
+              <a:t>(Digital world)</a:t>
+            </a:r>
+            <a:endParaRPr lang="en-US" altLang="zh-CN"/>
+          </a:p>
+        </p:txBody>
+      </p:sp>
+      <p:cxnSp>
+        <p:nvCxnSpPr>
+          <p:cNvPr id="9" name="直接箭头连接符 8"/>
+          <p:cNvCxnSpPr>
+            <a:stCxn id="4" idx="3"/>
+            <a:endCxn id="7" idx="1"/>
+          </p:cNvCxnSpPr>
+          <p:nvPr/>
+        </p:nvCxnSpPr>
+        <p:spPr>
+          <a:xfrm flipV="1">
+            <a:off x="2751455" y="2311400"/>
+            <a:ext cx="2063750" cy="1117600"/>
+          </a:xfrm>
+          <a:prstGeom prst="straightConnector1">
+            <a:avLst/>
+          </a:prstGeom>
+          <a:ln>
+            <a:headEnd type="arrow"/>
+            <a:tailEnd type="arrow"/>
+          </a:ln>
+        </p:spPr>
+        <p:style>
+          <a:lnRef idx="1">
+            <a:schemeClr val="accent1"/>
+          </a:lnRef>
+          <a:fillRef idx="0">
+            <a:schemeClr val="accent1"/>
+          </a:fillRef>
+          <a:effectRef idx="0">
+            <a:schemeClr val="accent1"/>
+          </a:effectRef>
+          <a:fontRef idx="minor">
+            <a:schemeClr val="tx1"/>
+          </a:fontRef>
+        </p:style>
+      </p:cxnSp>
+      <p:cxnSp>
+        <p:nvCxnSpPr>
+          <p:cNvPr id="10" name="直接箭头连接符 9"/>
+          <p:cNvCxnSpPr>
+            <a:endCxn id="8" idx="1"/>
+          </p:cNvCxnSpPr>
+          <p:nvPr/>
+        </p:nvCxnSpPr>
+        <p:spPr>
+          <a:xfrm>
+            <a:off x="2798445" y="3456940"/>
+            <a:ext cx="2016760" cy="1329690"/>
+          </a:xfrm>
+          <a:prstGeom prst="straightConnector1">
+            <a:avLst/>
+          </a:prstGeom>
+          <a:ln>
+            <a:headEnd type="arrow"/>
+            <a:tailEnd type="arrow"/>
+          </a:ln>
+        </p:spPr>
+        <p:style>
+          <a:lnRef idx="1">
+            <a:schemeClr val="accent1"/>
+          </a:lnRef>
+          <a:fillRef idx="0">
+            <a:schemeClr val="accent1"/>
+          </a:fillRef>
+          <a:effectRef idx="0">
+            <a:schemeClr val="accent1"/>
+          </a:effectRef>
+          <a:fontRef idx="minor">
+            <a:schemeClr val="tx1"/>
+          </a:fontRef>
+        </p:style>
+      </p:cxnSp>
+    </p:spTree>
+  </p:cSld>
+  <p:clrMapOvr>
+    <a:masterClrMapping/>
+  </p:clrMapOvr>
+</p:sld>
+</file>
+
+<file path=ppt/slides/slide12.xml><?xml version="1.0" encoding="utf-8"?>
+<p:sld xmlns:a="http://schemas.openxmlformats.org/drawingml/2006/main" xmlns:r="http://schemas.openxmlformats.org/officeDocument/2006/relationships" xmlns:p="http://schemas.openxmlformats.org/presentationml/2006/main">
+  <p:cSld>
+    <p:spTree>
+      <p:nvGrpSpPr>
+        <p:cNvPr id="1" name=""/>
+        <p:cNvGrpSpPr/>
+        <p:nvPr/>
+      </p:nvGrpSpPr>
+      <p:grpSpPr>
+        <a:xfrm>
+          <a:off x="0" y="0"/>
+          <a:ext cx="0" cy="0"/>
+          <a:chOff x="0" y="0"/>
+          <a:chExt cx="0" cy="0"/>
+        </a:xfrm>
+      </p:grpSpPr>
+      <p:sp>
+        <p:nvSpPr>
+          <p:cNvPr id="2" name="Title 1"/>
+          <p:cNvSpPr>
+            <a:spLocks noGrp="1"/>
+          </p:cNvSpPr>
+          <p:nvPr>
+            <p:ph type="title"/>
+          </p:nvPr>
+        </p:nvSpPr>
+        <p:spPr>
+          <a:xfrm>
+            <a:off x="628650" y="155263"/>
+            <a:ext cx="7886700" cy="526790"/>
+          </a:xfrm>
+        </p:spPr>
+        <p:txBody>
+          <a:bodyPr>
+            <a:normAutofit fontScale="90000"/>
+          </a:bodyPr>
+          <a:lstStyle/>
+          <a:p>
+            <a:pPr algn="ctr"/>
+            <a:r>
+              <a:rPr lang="en-US" sz="3200" b="1" dirty="0">
+                <a:latin typeface="Calibri" panose="020F0502020204030204" pitchFamily="34" charset="0"/>
+                <a:cs typeface="Calibri" panose="020F0502020204030204" pitchFamily="34" charset="0"/>
+              </a:rPr>
+              <a:t>Opensea Sales Model  </a:t>
+            </a:r>
+            <a:endParaRPr lang="en-US" sz="3200" b="1" dirty="0">
+              <a:latin typeface="Calibri" panose="020F0502020204030204" pitchFamily="34" charset="0"/>
+              <a:cs typeface="Calibri" panose="020F0502020204030204" pitchFamily="34" charset="0"/>
+            </a:endParaRPr>
+          </a:p>
+        </p:txBody>
+      </p:sp>
+      <p:sp>
+        <p:nvSpPr>
+          <p:cNvPr id="3" name="Content Placeholder 2"/>
+          <p:cNvSpPr>
+            <a:spLocks noGrp="1"/>
+          </p:cNvSpPr>
+          <p:nvPr>
+            <p:ph idx="1"/>
+          </p:nvPr>
+        </p:nvSpPr>
+        <p:spPr>
+          <a:xfrm>
+            <a:off x="628650" y="989044"/>
+            <a:ext cx="7886700" cy="5605719"/>
+          </a:xfrm>
+        </p:spPr>
+        <p:txBody>
+          <a:bodyPr>
+            <a:normAutofit/>
+          </a:bodyPr>
+          <a:lstStyle/>
+          <a:p>
+            <a:pPr marL="228600" lvl="0" indent="-228600" defTabSz="342900">
+              <a:lnSpc>
+                <a:spcPct val="120000"/>
+              </a:lnSpc>
+              <a:buFont typeface="Arial" panose="020B0604020202020204" pitchFamily="34" charset="0"/>
+              <a:buChar char="•"/>
+            </a:pPr>
+            <a:r>
+              <a:rPr lang="en-US" altLang="zh-CN" sz="1800" dirty="0">
+                <a:solidFill>
+                  <a:srgbClr val="262626"/>
+                </a:solidFill>
+              </a:rPr>
+              <a:t>Simple Item sale (Demo)</a:t>
+            </a:r>
+            <a:endParaRPr lang="en-US" altLang="zh-CN" sz="1800" dirty="0">
+              <a:solidFill>
+                <a:srgbClr val="262626"/>
+              </a:solidFill>
+            </a:endParaRPr>
+          </a:p>
+        </p:txBody>
+      </p:sp>
+      <p:pic>
+        <p:nvPicPr>
+          <p:cNvPr id="4" name="图片 3"/>
+          <p:cNvPicPr>
+            <a:picLocks noChangeAspect="1"/>
+          </p:cNvPicPr>
+          <p:nvPr/>
+        </p:nvPicPr>
+        <p:blipFill>
+          <a:blip r:embed="rId1"/>
+          <a:stretch>
+            <a:fillRect/>
+          </a:stretch>
+        </p:blipFill>
+        <p:spPr>
+          <a:xfrm>
+            <a:off x="628650" y="1370330"/>
+            <a:ext cx="5514340" cy="4844415"/>
+          </a:xfrm>
+          <a:prstGeom prst="rect">
+            <a:avLst/>
+          </a:prstGeom>
+        </p:spPr>
+      </p:pic>
+    </p:spTree>
+  </p:cSld>
+  <p:clrMapOvr>
+    <a:masterClrMapping/>
+  </p:clrMapOvr>
+</p:sld>
+</file>
+
+<file path=ppt/slides/slide13.xml><?xml version="1.0" encoding="utf-8"?>
+<p:sld xmlns:a="http://schemas.openxmlformats.org/drawingml/2006/main" xmlns:r="http://schemas.openxmlformats.org/officeDocument/2006/relationships" xmlns:p="http://schemas.openxmlformats.org/presentationml/2006/main">
+  <p:cSld>
+    <p:spTree>
+      <p:nvGrpSpPr>
+        <p:cNvPr id="1" name=""/>
+        <p:cNvGrpSpPr/>
+        <p:nvPr/>
+      </p:nvGrpSpPr>
+      <p:grpSpPr>
+        <a:xfrm>
+          <a:off x="0" y="0"/>
+          <a:ext cx="0" cy="0"/>
+          <a:chOff x="0" y="0"/>
+          <a:chExt cx="0" cy="0"/>
+        </a:xfrm>
+      </p:grpSpPr>
+      <p:sp>
+        <p:nvSpPr>
+          <p:cNvPr id="2" name="Title 1"/>
+          <p:cNvSpPr>
+            <a:spLocks noGrp="1"/>
+          </p:cNvSpPr>
+          <p:nvPr>
+            <p:ph type="title"/>
+          </p:nvPr>
+        </p:nvSpPr>
+        <p:spPr>
+          <a:xfrm>
+            <a:off x="628650" y="155263"/>
+            <a:ext cx="7886700" cy="526790"/>
+          </a:xfrm>
+        </p:spPr>
+        <p:txBody>
+          <a:bodyPr>
+            <a:normAutofit fontScale="90000"/>
+          </a:bodyPr>
+          <a:lstStyle/>
+          <a:p>
+            <a:pPr algn="ctr"/>
+            <a:r>
+              <a:rPr lang="en-US" sz="3200" b="1" dirty="0">
+                <a:latin typeface="Calibri" panose="020F0502020204030204" pitchFamily="34" charset="0"/>
+                <a:cs typeface="Calibri" panose="020F0502020204030204" pitchFamily="34" charset="0"/>
+                <a:sym typeface="+mn-ea"/>
+              </a:rPr>
+              <a:t>Opensea Sales Model</a:t>
+            </a:r>
+            <a:endParaRPr lang="en-US" sz="3200" b="1" dirty="0">
+              <a:latin typeface="Calibri" panose="020F0502020204030204" pitchFamily="34" charset="0"/>
+              <a:cs typeface="Calibri" panose="020F0502020204030204" pitchFamily="34" charset="0"/>
+            </a:endParaRPr>
+          </a:p>
+        </p:txBody>
+      </p:sp>
+      <p:sp>
+        <p:nvSpPr>
+          <p:cNvPr id="3" name="Content Placeholder 2"/>
+          <p:cNvSpPr>
+            <a:spLocks noGrp="1"/>
+          </p:cNvSpPr>
+          <p:nvPr>
+            <p:ph idx="1"/>
+          </p:nvPr>
+        </p:nvSpPr>
+        <p:spPr>
+          <a:xfrm>
+            <a:off x="628650" y="989044"/>
+            <a:ext cx="7886700" cy="5605719"/>
+          </a:xfrm>
+        </p:spPr>
+        <p:txBody>
+          <a:bodyPr>
+            <a:normAutofit/>
+          </a:bodyPr>
+          <a:lstStyle/>
+          <a:p>
+            <a:pPr marL="228600" lvl="0" indent="-228600" defTabSz="342900">
+              <a:lnSpc>
+                <a:spcPct val="120000"/>
+              </a:lnSpc>
+              <a:buFont typeface="Arial" panose="020B0604020202020204" pitchFamily="34" charset="0"/>
+              <a:buChar char="•"/>
+            </a:pPr>
+            <a:r>
+              <a:rPr lang="en-US" altLang="en-US" sz="1800" dirty="0">
+                <a:solidFill>
+                  <a:srgbClr val="262626"/>
+                </a:solidFill>
+              </a:rPr>
+              <a:t>Factory Sale</a:t>
+            </a:r>
+            <a:endParaRPr lang="en-US" altLang="en-US" sz="1800" dirty="0">
+              <a:solidFill>
+                <a:srgbClr val="262626"/>
+              </a:solidFill>
+            </a:endParaRPr>
+          </a:p>
+          <a:p>
+            <a:pPr marL="228600" lvl="0" indent="-228600" defTabSz="342900">
+              <a:lnSpc>
+                <a:spcPct val="120000"/>
+              </a:lnSpc>
+              <a:buFont typeface="Arial" panose="020B0604020202020204" pitchFamily="34" charset="0"/>
+              <a:buChar char="•"/>
+            </a:pPr>
+            <a:r>
+              <a:rPr lang="en-US" altLang="en-US" sz="1800" dirty="0">
+                <a:solidFill>
+                  <a:srgbClr val="262626"/>
+                </a:solidFill>
+              </a:rPr>
+              <a:t> the Factory owner can "sell" options. However, when an option is sold, instead of getting transferred to the buyer, the mint method for that particular optionId gets called. So, for example, if I were to sell _optionId 1 of the CreatureFactory contract, to 0xab23d, then mint(1, '0xab23d') would get called. Since the logic for that optionId is to mint 4 OpenSea creatures, 0xab23d would receive 4 brand new creatures.</a:t>
+            </a:r>
+            <a:endParaRPr lang="en-US" altLang="en-US" sz="1800" dirty="0">
+              <a:solidFill>
+                <a:srgbClr val="262626"/>
+              </a:solidFill>
+            </a:endParaRPr>
+          </a:p>
+        </p:txBody>
+      </p:sp>
+    </p:spTree>
+  </p:cSld>
+  <p:clrMapOvr>
+    <a:masterClrMapping/>
+  </p:clrMapOvr>
+</p:sld>
+</file>
+
+<file path=ppt/slides/slide14.xml><?xml version="1.0" encoding="utf-8"?>
+<p:sld xmlns:a="http://schemas.openxmlformats.org/drawingml/2006/main" xmlns:r="http://schemas.openxmlformats.org/officeDocument/2006/relationships" xmlns:p="http://schemas.openxmlformats.org/presentationml/2006/main">
+  <p:cSld>
+    <p:spTree>
+      <p:nvGrpSpPr>
+        <p:cNvPr id="1" name=""/>
+        <p:cNvGrpSpPr/>
+        <p:nvPr/>
+      </p:nvGrpSpPr>
+      <p:grpSpPr>
+        <a:xfrm>
+          <a:off x="0" y="0"/>
+          <a:ext cx="0" cy="0"/>
+          <a:chOff x="0" y="0"/>
+          <a:chExt cx="0" cy="0"/>
+        </a:xfrm>
+      </p:grpSpPr>
+      <p:sp>
+        <p:nvSpPr>
+          <p:cNvPr id="2" name="Title 1"/>
+          <p:cNvSpPr>
+            <a:spLocks noGrp="1"/>
+          </p:cNvSpPr>
+          <p:nvPr>
+            <p:ph type="title"/>
+          </p:nvPr>
+        </p:nvSpPr>
+        <p:spPr>
+          <a:xfrm>
+            <a:off x="628650" y="155263"/>
+            <a:ext cx="7886700" cy="526790"/>
+          </a:xfrm>
+        </p:spPr>
+        <p:txBody>
+          <a:bodyPr>
+            <a:normAutofit fontScale="90000"/>
+          </a:bodyPr>
+          <a:lstStyle/>
+          <a:p>
+            <a:pPr algn="ctr"/>
+            <a:r>
+              <a:rPr lang="en-US" sz="3200" b="1" dirty="0">
+                <a:latin typeface="Calibri" panose="020F0502020204030204" pitchFamily="34" charset="0"/>
+                <a:cs typeface="Calibri" panose="020F0502020204030204" pitchFamily="34" charset="0"/>
+                <a:sym typeface="+mn-ea"/>
+              </a:rPr>
+              <a:t>Opensea Sales Model</a:t>
+            </a:r>
+            <a:endParaRPr lang="en-US" sz="3200" b="1" dirty="0">
+              <a:latin typeface="Calibri" panose="020F0502020204030204" pitchFamily="34" charset="0"/>
+              <a:cs typeface="Calibri" panose="020F0502020204030204" pitchFamily="34" charset="0"/>
+            </a:endParaRPr>
+          </a:p>
+        </p:txBody>
+      </p:sp>
+      <p:sp>
+        <p:nvSpPr>
+          <p:cNvPr id="3" name="Content Placeholder 2"/>
+          <p:cNvSpPr>
+            <a:spLocks noGrp="1"/>
+          </p:cNvSpPr>
+          <p:nvPr>
+            <p:ph idx="1"/>
+          </p:nvPr>
+        </p:nvSpPr>
+        <p:spPr>
+          <a:xfrm>
+            <a:off x="628650" y="989044"/>
+            <a:ext cx="7886700" cy="5605719"/>
+          </a:xfrm>
+        </p:spPr>
+        <p:txBody>
+          <a:bodyPr>
+            <a:normAutofit/>
+          </a:bodyPr>
+          <a:lstStyle/>
+          <a:p>
+            <a:pPr marL="228600" lvl="0" indent="-228600" defTabSz="342900">
+              <a:lnSpc>
+                <a:spcPct val="120000"/>
+              </a:lnSpc>
+              <a:buFont typeface="Arial" panose="020B0604020202020204" pitchFamily="34" charset="0"/>
+              <a:buChar char="•"/>
+            </a:pPr>
+            <a:r>
+              <a:rPr lang="en-US" altLang="en-US" sz="1800" dirty="0">
+                <a:solidFill>
+                  <a:srgbClr val="262626"/>
+                </a:solidFill>
+              </a:rPr>
+              <a:t>Lootbox Sale</a:t>
+            </a:r>
+            <a:endParaRPr lang="en-US" altLang="en-US" sz="1800" dirty="0">
+              <a:solidFill>
+                <a:srgbClr val="262626"/>
+              </a:solidFill>
+            </a:endParaRPr>
+          </a:p>
+          <a:p>
+            <a:pPr marL="228600" lvl="0" indent="-228600" defTabSz="342900">
+              <a:lnSpc>
+                <a:spcPct val="120000"/>
+              </a:lnSpc>
+              <a:buFont typeface="Arial" panose="020B0604020202020204" pitchFamily="34" charset="0"/>
+              <a:buChar char="•"/>
+            </a:pPr>
+            <a:r>
+              <a:rPr lang="en-US" altLang="en-US" sz="1800" dirty="0">
+                <a:solidFill>
+                  <a:srgbClr val="262626"/>
+                </a:solidFill>
+              </a:rPr>
+              <a:t> Each lootbox can be traded just like regular items — but they can also be "opened" to redeem the actual game item. For example, a game might want to issue a pack of items randomly generating an item of a certain ability level, or a set of cards with some probability of getting a "mythic" or "legendary" card.</a:t>
+            </a:r>
+            <a:endParaRPr lang="en-US" altLang="en-US" sz="1800" dirty="0">
+              <a:solidFill>
+                <a:srgbClr val="262626"/>
+              </a:solidFill>
+            </a:endParaRPr>
+          </a:p>
+        </p:txBody>
+      </p:sp>
+    </p:spTree>
+  </p:cSld>
+  <p:clrMapOvr>
+    <a:masterClrMapping/>
+  </p:clrMapOvr>
+</p:sld>
+</file>
+
+<file path=ppt/slides/slide15.xml><?xml version="1.0" encoding="utf-8"?>
+<p:sld xmlns:a="http://schemas.openxmlformats.org/drawingml/2006/main" xmlns:r="http://schemas.openxmlformats.org/officeDocument/2006/relationships" xmlns:p="http://schemas.openxmlformats.org/presentationml/2006/main">
+  <p:cSld>
+    <p:spTree>
+      <p:nvGrpSpPr>
+        <p:cNvPr id="1" name=""/>
+        <p:cNvGrpSpPr/>
+        <p:nvPr/>
+      </p:nvGrpSpPr>
+      <p:grpSpPr>
+        <a:xfrm>
+          <a:off x="0" y="0"/>
+          <a:ext cx="0" cy="0"/>
+          <a:chOff x="0" y="0"/>
+          <a:chExt cx="0" cy="0"/>
+        </a:xfrm>
+      </p:grpSpPr>
+      <p:sp>
+        <p:nvSpPr>
+          <p:cNvPr id="2" name="Title 1"/>
+          <p:cNvSpPr>
+            <a:spLocks noGrp="1"/>
+          </p:cNvSpPr>
+          <p:nvPr>
+            <p:ph type="title"/>
+          </p:nvPr>
+        </p:nvSpPr>
+        <p:spPr>
+          <a:xfrm>
+            <a:off x="628650" y="155263"/>
+            <a:ext cx="7886700" cy="526790"/>
+          </a:xfrm>
+        </p:spPr>
+        <p:txBody>
+          <a:bodyPr>
+            <a:normAutofit fontScale="90000"/>
+          </a:bodyPr>
+          <a:lstStyle/>
+          <a:p>
+            <a:pPr algn="ctr"/>
+            <a:r>
+              <a:rPr lang="en-US" sz="3200" b="1" dirty="0">
+                <a:latin typeface="Calibri" panose="020F0502020204030204" pitchFamily="34" charset="0"/>
+                <a:cs typeface="Calibri" panose="020F0502020204030204" pitchFamily="34" charset="0"/>
+                <a:sym typeface="+mn-ea"/>
+              </a:rPr>
+              <a:t>Opensea Creatures Code Explaination</a:t>
+            </a:r>
+            <a:endParaRPr lang="en-US" sz="3200" b="1" dirty="0">
+              <a:latin typeface="Calibri" panose="020F0502020204030204" pitchFamily="34" charset="0"/>
+              <a:cs typeface="Calibri" panose="020F0502020204030204" pitchFamily="34" charset="0"/>
+            </a:endParaRPr>
+          </a:p>
+        </p:txBody>
+      </p:sp>
+      <p:sp>
+        <p:nvSpPr>
+          <p:cNvPr id="3" name="Content Placeholder 2"/>
+          <p:cNvSpPr>
+            <a:spLocks noGrp="1"/>
+          </p:cNvSpPr>
+          <p:nvPr>
+            <p:ph idx="1"/>
+          </p:nvPr>
+        </p:nvSpPr>
+        <p:spPr>
+          <a:xfrm>
+            <a:off x="628650" y="989044"/>
+            <a:ext cx="7886700" cy="5605719"/>
+          </a:xfrm>
+        </p:spPr>
+        <p:txBody>
+          <a:bodyPr>
+            <a:normAutofit/>
+          </a:bodyPr>
+          <a:lstStyle/>
+          <a:p>
+            <a:pPr marL="228600" lvl="0" indent="-228600" defTabSz="342900">
+              <a:lnSpc>
+                <a:spcPct val="120000"/>
+              </a:lnSpc>
+              <a:buFont typeface="Arial" panose="020B0604020202020204" pitchFamily="34" charset="0"/>
+              <a:buChar char="•"/>
+            </a:pPr>
+            <a:r>
+              <a:rPr lang="en-US" altLang="en-US" sz="1800" dirty="0">
+                <a:solidFill>
+                  <a:srgbClr val="262626"/>
+                </a:solidFill>
+              </a:rPr>
+              <a:t>Demo and Code Explaination</a:t>
+            </a:r>
+            <a:endParaRPr lang="en-US" altLang="en-US" sz="1800" dirty="0">
+              <a:solidFill>
+                <a:srgbClr val="262626"/>
+              </a:solidFill>
+            </a:endParaRPr>
+          </a:p>
+          <a:p>
+            <a:pPr marL="228600" lvl="0" indent="-228600" defTabSz="342900">
+              <a:lnSpc>
+                <a:spcPct val="120000"/>
+              </a:lnSpc>
+              <a:buFont typeface="Arial" panose="020B0604020202020204" pitchFamily="34" charset="0"/>
+              <a:buChar char="•"/>
+            </a:pPr>
+            <a:r>
+              <a:rPr lang="en-US" altLang="en-US" sz="1800" dirty="0">
+                <a:solidFill>
+                  <a:srgbClr val="262626"/>
+                </a:solidFill>
+              </a:rPr>
+              <a:t>Flattner</a:t>
+            </a:r>
+            <a:endParaRPr lang="en-US" altLang="en-US" sz="1800" dirty="0">
+              <a:solidFill>
+                <a:srgbClr val="262626"/>
+              </a:solidFill>
+            </a:endParaRPr>
+          </a:p>
+          <a:p>
+            <a:pPr marL="228600" lvl="0" indent="-228600" defTabSz="342900">
+              <a:lnSpc>
+                <a:spcPct val="120000"/>
+              </a:lnSpc>
+              <a:buFont typeface="Arial" panose="020B0604020202020204" pitchFamily="34" charset="0"/>
+              <a:buChar char="•"/>
+            </a:pPr>
+            <a:r>
+              <a:rPr lang="en-US" altLang="en-US" sz="1800" dirty="0">
+                <a:solidFill>
+                  <a:srgbClr val="262626"/>
+                </a:solidFill>
+              </a:rPr>
+              <a:t>A third proxy pattern</a:t>
+            </a:r>
+            <a:endParaRPr lang="en-US" altLang="en-US" sz="1800" dirty="0">
+              <a:solidFill>
+                <a:srgbClr val="262626"/>
+              </a:solidFill>
+            </a:endParaRPr>
+          </a:p>
+          <a:p>
+            <a:pPr marL="228600" lvl="0" indent="-228600" defTabSz="342900">
+              <a:lnSpc>
+                <a:spcPct val="120000"/>
+              </a:lnSpc>
+              <a:buFont typeface="Arial" panose="020B0604020202020204" pitchFamily="34" charset="0"/>
+              <a:buChar char="•"/>
+            </a:pPr>
+            <a:endParaRPr lang="en-US" altLang="en-US" sz="1800" dirty="0">
+              <a:solidFill>
+                <a:srgbClr val="262626"/>
+              </a:solidFill>
+            </a:endParaRPr>
+          </a:p>
+        </p:txBody>
+      </p:sp>
+      <p:sp>
+        <p:nvSpPr>
+          <p:cNvPr id="4" name="矩形 3"/>
+          <p:cNvSpPr/>
+          <p:nvPr/>
+        </p:nvSpPr>
+        <p:spPr>
+          <a:xfrm>
+            <a:off x="1195705" y="2967990"/>
+            <a:ext cx="1527175" cy="922020"/>
+          </a:xfrm>
+          <a:prstGeom prst="rect">
+            <a:avLst/>
+          </a:prstGeom>
+        </p:spPr>
+        <p:style>
+          <a:lnRef idx="2">
+            <a:schemeClr val="accent3">
+              <a:shade val="50000"/>
+            </a:schemeClr>
+          </a:lnRef>
+          <a:fillRef idx="1">
+            <a:schemeClr val="accent3"/>
+          </a:fillRef>
+          <a:effectRef idx="0">
+            <a:schemeClr val="accent3"/>
+          </a:effectRef>
+          <a:fontRef idx="minor">
+            <a:schemeClr val="lt1"/>
+          </a:fontRef>
+        </p:style>
+        <p:txBody>
+          <a:bodyPr rtlCol="0" anchor="ctr"/>
+          <a:p>
+            <a:pPr algn="ctr"/>
+            <a:r>
+              <a:rPr lang="en-US" altLang="zh-CN"/>
+              <a:t>Contract</a:t>
+            </a:r>
+            <a:endParaRPr lang="en-US" altLang="zh-CN"/>
+          </a:p>
+        </p:txBody>
+      </p:sp>
+      <p:sp>
+        <p:nvSpPr>
+          <p:cNvPr id="5" name="矩形 4"/>
+          <p:cNvSpPr/>
+          <p:nvPr/>
+        </p:nvSpPr>
+        <p:spPr>
+          <a:xfrm>
+            <a:off x="3325495" y="2967990"/>
+            <a:ext cx="1527175" cy="922020"/>
+          </a:xfrm>
+          <a:prstGeom prst="rect">
+            <a:avLst/>
+          </a:prstGeom>
+        </p:spPr>
+        <p:style>
+          <a:lnRef idx="2">
+            <a:schemeClr val="accent3">
+              <a:shade val="50000"/>
+            </a:schemeClr>
+          </a:lnRef>
+          <a:fillRef idx="1">
+            <a:schemeClr val="accent3"/>
+          </a:fillRef>
+          <a:effectRef idx="0">
+            <a:schemeClr val="accent3"/>
+          </a:effectRef>
+          <a:fontRef idx="minor">
+            <a:schemeClr val="lt1"/>
+          </a:fontRef>
+        </p:style>
+        <p:txBody>
+          <a:bodyPr rtlCol="0" anchor="ctr"/>
+          <a:p>
+            <a:pPr algn="ctr"/>
+            <a:r>
+              <a:rPr lang="en-US" altLang="zh-CN"/>
+              <a:t>Proxy</a:t>
+            </a:r>
+            <a:endParaRPr lang="en-US" altLang="zh-CN"/>
+          </a:p>
+        </p:txBody>
+      </p:sp>
+      <p:sp>
+        <p:nvSpPr>
+          <p:cNvPr id="6" name="矩形 5"/>
+          <p:cNvSpPr/>
+          <p:nvPr/>
+        </p:nvSpPr>
+        <p:spPr>
+          <a:xfrm>
+            <a:off x="5454650" y="2967990"/>
+            <a:ext cx="1527175" cy="922020"/>
+          </a:xfrm>
+          <a:prstGeom prst="rect">
+            <a:avLst/>
+          </a:prstGeom>
+        </p:spPr>
+        <p:style>
+          <a:lnRef idx="2">
+            <a:schemeClr val="accent3">
+              <a:shade val="50000"/>
+            </a:schemeClr>
+          </a:lnRef>
+          <a:fillRef idx="1">
+            <a:schemeClr val="accent3"/>
+          </a:fillRef>
+          <a:effectRef idx="0">
+            <a:schemeClr val="accent3"/>
+          </a:effectRef>
+          <a:fontRef idx="minor">
+            <a:schemeClr val="lt1"/>
+          </a:fontRef>
+        </p:style>
+        <p:txBody>
+          <a:bodyPr rtlCol="0" anchor="ctr"/>
+          <a:p>
+            <a:pPr algn="ctr"/>
+            <a:r>
+              <a:rPr lang="en-US" altLang="zh-CN"/>
+              <a:t>Logic</a:t>
+            </a:r>
+            <a:endParaRPr lang="en-US" altLang="zh-CN"/>
+          </a:p>
+        </p:txBody>
+      </p:sp>
+      <p:cxnSp>
+        <p:nvCxnSpPr>
+          <p:cNvPr id="7" name="直接箭头连接符 6"/>
+          <p:cNvCxnSpPr>
+            <a:stCxn id="4" idx="3"/>
+            <a:endCxn id="5" idx="1"/>
+          </p:cNvCxnSpPr>
+          <p:nvPr/>
+        </p:nvCxnSpPr>
+        <p:spPr>
+          <a:xfrm>
+            <a:off x="2722880" y="3429000"/>
+            <a:ext cx="602615" cy="0"/>
+          </a:xfrm>
+          <a:prstGeom prst="straightConnector1">
+            <a:avLst/>
+          </a:prstGeom>
+          <a:ln>
+            <a:tailEnd type="arrow"/>
+          </a:ln>
+        </p:spPr>
+        <p:style>
+          <a:lnRef idx="1">
+            <a:schemeClr val="accent1"/>
+          </a:lnRef>
+          <a:fillRef idx="0">
+            <a:schemeClr val="accent1"/>
+          </a:fillRef>
+          <a:effectRef idx="0">
+            <a:schemeClr val="accent1"/>
+          </a:effectRef>
+          <a:fontRef idx="minor">
+            <a:schemeClr val="tx1"/>
+          </a:fontRef>
+        </p:style>
+      </p:cxnSp>
+      <p:cxnSp>
+        <p:nvCxnSpPr>
+          <p:cNvPr id="8" name="直接箭头连接符 7"/>
+          <p:cNvCxnSpPr/>
+          <p:nvPr/>
+        </p:nvCxnSpPr>
+        <p:spPr>
+          <a:xfrm>
+            <a:off x="4852035" y="3429000"/>
+            <a:ext cx="602615" cy="0"/>
+          </a:xfrm>
+          <a:prstGeom prst="straightConnector1">
+            <a:avLst/>
+          </a:prstGeom>
+          <a:ln>
+            <a:tailEnd type="arrow"/>
+          </a:ln>
+        </p:spPr>
+        <p:style>
+          <a:lnRef idx="1">
+            <a:schemeClr val="accent1"/>
+          </a:lnRef>
+          <a:fillRef idx="0">
+            <a:schemeClr val="accent1"/>
+          </a:fillRef>
+          <a:effectRef idx="0">
+            <a:schemeClr val="accent1"/>
+          </a:effectRef>
+          <a:fontRef idx="minor">
+            <a:schemeClr val="tx1"/>
+          </a:fontRef>
+        </p:style>
+      </p:cxnSp>
+    </p:spTree>
+  </p:cSld>
+  <p:clrMapOvr>
+    <a:masterClrMapping/>
+  </p:clrMapOvr>
+</p:sld>
+</file>
+
+<file path=ppt/slides/slide16.xml><?xml version="1.0" encoding="utf-8"?>
+<p:sld xmlns:a="http://schemas.openxmlformats.org/drawingml/2006/main" xmlns:r="http://schemas.openxmlformats.org/officeDocument/2006/relationships" xmlns:p="http://schemas.openxmlformats.org/presentationml/2006/main">
+  <p:cSld>
+    <p:spTree>
+      <p:nvGrpSpPr>
+        <p:cNvPr id="1" name=""/>
+        <p:cNvGrpSpPr/>
+        <p:nvPr/>
+      </p:nvGrpSpPr>
+      <p:grpSpPr>
+        <a:xfrm>
+          <a:off x="0" y="0"/>
+          <a:ext cx="0" cy="0"/>
+          <a:chOff x="0" y="0"/>
+          <a:chExt cx="0" cy="0"/>
+        </a:xfrm>
+      </p:grpSpPr>
+      <p:sp>
+        <p:nvSpPr>
+          <p:cNvPr id="2" name="Title 1"/>
+          <p:cNvSpPr>
+            <a:spLocks noGrp="1"/>
+          </p:cNvSpPr>
+          <p:nvPr>
+            <p:ph type="title"/>
+          </p:nvPr>
+        </p:nvSpPr>
+        <p:spPr>
+          <a:xfrm>
+            <a:off x="628650" y="155263"/>
+            <a:ext cx="7886700" cy="526790"/>
+          </a:xfrm>
+        </p:spPr>
+        <p:txBody>
+          <a:bodyPr>
+            <a:normAutofit fontScale="90000"/>
+          </a:bodyPr>
+          <a:lstStyle/>
+          <a:p>
+            <a:pPr algn="ctr"/>
+            <a:r>
+              <a:rPr lang="en-US" sz="3200" b="1" dirty="0">
+                <a:latin typeface="Calibri" panose="020F0502020204030204" pitchFamily="34" charset="0"/>
+                <a:cs typeface="Calibri" panose="020F0502020204030204" pitchFamily="34" charset="0"/>
+                <a:sym typeface="+mn-ea"/>
+              </a:rPr>
+              <a:t>Opensea Metadata</a:t>
+            </a:r>
+            <a:endParaRPr lang="en-US" sz="3200" b="1" dirty="0">
+              <a:latin typeface="Calibri" panose="020F0502020204030204" pitchFamily="34" charset="0"/>
+              <a:cs typeface="Calibri" panose="020F0502020204030204" pitchFamily="34" charset="0"/>
+            </a:endParaRPr>
+          </a:p>
+        </p:txBody>
+      </p:sp>
+      <p:sp>
+        <p:nvSpPr>
+          <p:cNvPr id="3" name="Content Placeholder 2"/>
+          <p:cNvSpPr>
+            <a:spLocks noGrp="1"/>
+          </p:cNvSpPr>
+          <p:nvPr>
+            <p:ph idx="1"/>
+          </p:nvPr>
+        </p:nvSpPr>
+        <p:spPr>
+          <a:xfrm>
+            <a:off x="628650" y="989044"/>
+            <a:ext cx="7886700" cy="5605719"/>
+          </a:xfrm>
+        </p:spPr>
+        <p:txBody>
+          <a:bodyPr>
+            <a:normAutofit/>
+          </a:bodyPr>
+          <a:lstStyle/>
+          <a:p>
+            <a:pPr marL="228600" lvl="0" indent="-228600" defTabSz="342900">
+              <a:lnSpc>
+                <a:spcPct val="120000"/>
+              </a:lnSpc>
+              <a:buFont typeface="Arial" panose="020B0604020202020204" pitchFamily="34" charset="0"/>
+              <a:buChar char="•"/>
+            </a:pPr>
+            <a:r>
+              <a:rPr lang="en-US" altLang="en-US" sz="1800" dirty="0">
+                <a:solidFill>
+                  <a:srgbClr val="262626"/>
+                </a:solidFill>
+              </a:rPr>
+              <a:t>Data Structure </a:t>
+            </a:r>
+            <a:endParaRPr lang="en-US" altLang="en-US" sz="1800" dirty="0">
+              <a:solidFill>
+                <a:srgbClr val="262626"/>
+              </a:solidFill>
+            </a:endParaRPr>
+          </a:p>
+        </p:txBody>
+      </p:sp>
+      <p:sp>
+        <p:nvSpPr>
+          <p:cNvPr id="4" name="矩形 3"/>
+          <p:cNvSpPr/>
+          <p:nvPr/>
+        </p:nvSpPr>
+        <p:spPr>
+          <a:xfrm>
+            <a:off x="1195705" y="2967990"/>
+            <a:ext cx="1527175" cy="922020"/>
+          </a:xfrm>
+          <a:prstGeom prst="rect">
+            <a:avLst/>
+          </a:prstGeom>
+        </p:spPr>
+        <p:style>
+          <a:lnRef idx="2">
+            <a:schemeClr val="accent3">
+              <a:shade val="50000"/>
+            </a:schemeClr>
+          </a:lnRef>
+          <a:fillRef idx="1">
+            <a:schemeClr val="accent3"/>
+          </a:fillRef>
+          <a:effectRef idx="0">
+            <a:schemeClr val="accent3"/>
+          </a:effectRef>
+          <a:fontRef idx="minor">
+            <a:schemeClr val="lt1"/>
+          </a:fontRef>
+        </p:style>
+        <p:txBody>
+          <a:bodyPr rtlCol="0" anchor="ctr"/>
+          <a:p>
+            <a:pPr algn="ctr"/>
+            <a:r>
+              <a:rPr lang="en-US" altLang="zh-CN"/>
+              <a:t>Contract</a:t>
+            </a:r>
+            <a:endParaRPr lang="en-US" altLang="zh-CN"/>
+          </a:p>
+        </p:txBody>
+      </p:sp>
+      <p:sp>
+        <p:nvSpPr>
+          <p:cNvPr id="5" name="矩形 4"/>
+          <p:cNvSpPr/>
+          <p:nvPr/>
+        </p:nvSpPr>
+        <p:spPr>
+          <a:xfrm>
+            <a:off x="3325495" y="2967990"/>
+            <a:ext cx="1527175" cy="922020"/>
+          </a:xfrm>
+          <a:prstGeom prst="rect">
+            <a:avLst/>
+          </a:prstGeom>
+        </p:spPr>
+        <p:style>
+          <a:lnRef idx="2">
+            <a:schemeClr val="accent3">
+              <a:shade val="50000"/>
+            </a:schemeClr>
+          </a:lnRef>
+          <a:fillRef idx="1">
+            <a:schemeClr val="accent3"/>
+          </a:fillRef>
+          <a:effectRef idx="0">
+            <a:schemeClr val="accent3"/>
+          </a:effectRef>
+          <a:fontRef idx="minor">
+            <a:schemeClr val="lt1"/>
+          </a:fontRef>
+        </p:style>
+        <p:txBody>
+          <a:bodyPr rtlCol="0" anchor="ctr"/>
+          <a:p>
+            <a:pPr algn="ctr"/>
+            <a:r>
+              <a:rPr lang="en-US" altLang="zh-CN"/>
+              <a:t>Proxy</a:t>
+            </a:r>
+            <a:endParaRPr lang="en-US" altLang="zh-CN"/>
+          </a:p>
+        </p:txBody>
+      </p:sp>
+      <p:sp>
+        <p:nvSpPr>
+          <p:cNvPr id="6" name="矩形 5"/>
+          <p:cNvSpPr/>
+          <p:nvPr/>
+        </p:nvSpPr>
+        <p:spPr>
+          <a:xfrm>
+            <a:off x="5454650" y="2967990"/>
+            <a:ext cx="1527175" cy="922020"/>
+          </a:xfrm>
+          <a:prstGeom prst="rect">
+            <a:avLst/>
+          </a:prstGeom>
+        </p:spPr>
+        <p:style>
+          <a:lnRef idx="2">
+            <a:schemeClr val="accent3">
+              <a:shade val="50000"/>
+            </a:schemeClr>
+          </a:lnRef>
+          <a:fillRef idx="1">
+            <a:schemeClr val="accent3"/>
+          </a:fillRef>
+          <a:effectRef idx="0">
+            <a:schemeClr val="accent3"/>
+          </a:effectRef>
+          <a:fontRef idx="minor">
+            <a:schemeClr val="lt1"/>
+          </a:fontRef>
+        </p:style>
+        <p:txBody>
+          <a:bodyPr rtlCol="0" anchor="ctr"/>
+          <a:p>
+            <a:pPr algn="ctr"/>
+            <a:r>
+              <a:rPr lang="en-US" altLang="zh-CN"/>
+              <a:t>Logic</a:t>
+            </a:r>
+            <a:endParaRPr lang="en-US" altLang="zh-CN"/>
+          </a:p>
+        </p:txBody>
+      </p:sp>
+      <p:cxnSp>
+        <p:nvCxnSpPr>
+          <p:cNvPr id="7" name="直接箭头连接符 6"/>
+          <p:cNvCxnSpPr>
+            <a:stCxn id="4" idx="3"/>
+            <a:endCxn id="5" idx="1"/>
+          </p:cNvCxnSpPr>
+          <p:nvPr/>
+        </p:nvCxnSpPr>
+        <p:spPr>
+          <a:xfrm>
+            <a:off x="2722880" y="3429000"/>
+            <a:ext cx="602615" cy="0"/>
+          </a:xfrm>
+          <a:prstGeom prst="straightConnector1">
+            <a:avLst/>
+          </a:prstGeom>
+          <a:ln>
+            <a:tailEnd type="arrow"/>
+          </a:ln>
+        </p:spPr>
+        <p:style>
+          <a:lnRef idx="1">
+            <a:schemeClr val="accent1"/>
+          </a:lnRef>
+          <a:fillRef idx="0">
+            <a:schemeClr val="accent1"/>
+          </a:fillRef>
+          <a:effectRef idx="0">
+            <a:schemeClr val="accent1"/>
+          </a:effectRef>
+          <a:fontRef idx="minor">
+            <a:schemeClr val="tx1"/>
+          </a:fontRef>
+        </p:style>
+      </p:cxnSp>
+      <p:cxnSp>
+        <p:nvCxnSpPr>
+          <p:cNvPr id="8" name="直接箭头连接符 7"/>
+          <p:cNvCxnSpPr/>
+          <p:nvPr/>
+        </p:nvCxnSpPr>
+        <p:spPr>
+          <a:xfrm>
+            <a:off x="4852035" y="3429000"/>
+            <a:ext cx="602615" cy="0"/>
+          </a:xfrm>
+          <a:prstGeom prst="straightConnector1">
+            <a:avLst/>
+          </a:prstGeom>
+          <a:ln>
+            <a:tailEnd type="arrow"/>
+          </a:ln>
+        </p:spPr>
+        <p:style>
+          <a:lnRef idx="1">
+            <a:schemeClr val="accent1"/>
+          </a:lnRef>
+          <a:fillRef idx="0">
+            <a:schemeClr val="accent1"/>
+          </a:fillRef>
+          <a:effectRef idx="0">
+            <a:schemeClr val="accent1"/>
+          </a:effectRef>
+          <a:fontRef idx="minor">
+            <a:schemeClr val="tx1"/>
+          </a:fontRef>
+        </p:style>
+      </p:cxnSp>
+      <p:pic>
+        <p:nvPicPr>
+          <p:cNvPr id="9" name="图片 8" descr="8357ffd-nft-metadata"/>
+          <p:cNvPicPr>
+            <a:picLocks noChangeAspect="1"/>
+          </p:cNvPicPr>
+          <p:nvPr/>
+        </p:nvPicPr>
+        <p:blipFill>
+          <a:blip r:embed="rId1"/>
+          <a:stretch>
+            <a:fillRect/>
+          </a:stretch>
+        </p:blipFill>
+        <p:spPr>
+          <a:xfrm>
+            <a:off x="628650" y="1318895"/>
+            <a:ext cx="7447915" cy="4572635"/>
+          </a:xfrm>
+          <a:prstGeom prst="rect">
+            <a:avLst/>
+          </a:prstGeom>
+        </p:spPr>
+      </p:pic>
+      <p:pic>
+        <p:nvPicPr>
+          <p:cNvPr id="10" name="图片 9"/>
+          <p:cNvPicPr>
+            <a:picLocks noChangeAspect="1"/>
+          </p:cNvPicPr>
+          <p:nvPr/>
+        </p:nvPicPr>
+        <p:blipFill>
+          <a:blip r:embed="rId2"/>
+          <a:stretch>
+            <a:fillRect/>
+          </a:stretch>
+        </p:blipFill>
+        <p:spPr>
+          <a:xfrm>
+            <a:off x="969645" y="5391150"/>
+            <a:ext cx="6238875" cy="1466850"/>
+          </a:xfrm>
+          <a:prstGeom prst="rect">
+            <a:avLst/>
+          </a:prstGeom>
+        </p:spPr>
+      </p:pic>
+    </p:spTree>
+  </p:cSld>
+  <p:clrMapOvr>
+    <a:masterClrMapping/>
+  </p:clrMapOvr>
+</p:sld>
+</file>
+
+<file path=ppt/slides/slide17.xml><?xml version="1.0" encoding="utf-8"?>
+<p:sld xmlns:a="http://schemas.openxmlformats.org/drawingml/2006/main" xmlns:r="http://schemas.openxmlformats.org/officeDocument/2006/relationships" xmlns:p="http://schemas.openxmlformats.org/presentationml/2006/main">
+  <p:cSld>
+    <p:spTree>
+      <p:nvGrpSpPr>
+        <p:cNvPr id="1" name=""/>
+        <p:cNvGrpSpPr/>
+        <p:nvPr/>
+      </p:nvGrpSpPr>
+      <p:grpSpPr>
+        <a:xfrm>
+          <a:off x="0" y="0"/>
+          <a:ext cx="0" cy="0"/>
+          <a:chOff x="0" y="0"/>
+          <a:chExt cx="0" cy="0"/>
+        </a:xfrm>
+      </p:grpSpPr>
+      <p:sp>
+        <p:nvSpPr>
+          <p:cNvPr id="2" name="Title 1"/>
+          <p:cNvSpPr>
+            <a:spLocks noGrp="1"/>
+          </p:cNvSpPr>
+          <p:nvPr>
+            <p:ph type="title"/>
+          </p:nvPr>
+        </p:nvSpPr>
+        <p:spPr>
+          <a:xfrm>
+            <a:off x="628650" y="155263"/>
+            <a:ext cx="7886700" cy="526790"/>
+          </a:xfrm>
+        </p:spPr>
+        <p:txBody>
+          <a:bodyPr>
+            <a:normAutofit fontScale="90000"/>
+          </a:bodyPr>
+          <a:lstStyle/>
+          <a:p>
+            <a:pPr algn="ctr"/>
+            <a:r>
+              <a:rPr lang="en-US" sz="3200" b="1" dirty="0">
+                <a:latin typeface="Calibri" panose="020F0502020204030204" pitchFamily="34" charset="0"/>
+                <a:cs typeface="Calibri" panose="020F0502020204030204" pitchFamily="34" charset="0"/>
+                <a:sym typeface="+mn-ea"/>
+              </a:rPr>
+              <a:t>What is Flask</a:t>
+            </a:r>
+            <a:endParaRPr lang="en-US" sz="3200" b="1" dirty="0">
+              <a:latin typeface="Calibri" panose="020F0502020204030204" pitchFamily="34" charset="0"/>
+              <a:cs typeface="Calibri" panose="020F0502020204030204" pitchFamily="34" charset="0"/>
+            </a:endParaRPr>
+          </a:p>
+        </p:txBody>
+      </p:sp>
+      <p:sp>
+        <p:nvSpPr>
+          <p:cNvPr id="3" name="Content Placeholder 2"/>
+          <p:cNvSpPr>
+            <a:spLocks noGrp="1"/>
+          </p:cNvSpPr>
+          <p:nvPr>
+            <p:ph idx="1"/>
+          </p:nvPr>
+        </p:nvSpPr>
+        <p:spPr>
+          <a:xfrm>
+            <a:off x="628650" y="989044"/>
+            <a:ext cx="7886700" cy="5605719"/>
+          </a:xfrm>
+        </p:spPr>
+        <p:txBody>
+          <a:bodyPr>
+            <a:normAutofit/>
+          </a:bodyPr>
+          <a:lstStyle/>
+          <a:p>
+            <a:pPr marL="228600" lvl="0" indent="-228600" defTabSz="342900">
+              <a:lnSpc>
+                <a:spcPct val="120000"/>
+              </a:lnSpc>
+              <a:buFont typeface="Arial" panose="020B0604020202020204" pitchFamily="34" charset="0"/>
+              <a:buChar char="•"/>
+            </a:pPr>
+            <a:r>
+              <a:rPr lang="en-US" altLang="en-US" sz="1800" dirty="0">
+                <a:solidFill>
+                  <a:srgbClr val="262626"/>
+                </a:solidFill>
+              </a:rPr>
+              <a:t>Flask is a web application framework written in Python</a:t>
+            </a:r>
+            <a:endParaRPr lang="en-US" altLang="en-US" sz="1800" dirty="0">
+              <a:solidFill>
+                <a:srgbClr val="262626"/>
+              </a:solidFill>
+            </a:endParaRPr>
+          </a:p>
+          <a:p>
+            <a:pPr marL="228600" lvl="0" indent="-228600" defTabSz="342900">
+              <a:lnSpc>
+                <a:spcPct val="120000"/>
+              </a:lnSpc>
+              <a:buFont typeface="Arial" panose="020B0604020202020204" pitchFamily="34" charset="0"/>
+              <a:buChar char="•"/>
+            </a:pPr>
+            <a:endParaRPr lang="en-US" altLang="en-US" sz="1800" dirty="0">
+              <a:solidFill>
+                <a:srgbClr val="262626"/>
+              </a:solidFill>
+            </a:endParaRPr>
+          </a:p>
+          <a:p>
+            <a:pPr marL="228600" lvl="0" indent="-228600" defTabSz="342900">
+              <a:lnSpc>
+                <a:spcPct val="120000"/>
+              </a:lnSpc>
+              <a:buFont typeface="Arial" panose="020B0604020202020204" pitchFamily="34" charset="0"/>
+              <a:buChar char="•"/>
+            </a:pPr>
+            <a:r>
+              <a:rPr lang="en-US" altLang="en-US" sz="1800" dirty="0">
+                <a:solidFill>
+                  <a:srgbClr val="262626"/>
+                </a:solidFill>
+              </a:rPr>
+              <a:t>Flask is based on Werkzeug WSGI toolkit and Jinja2 template engine. Both are Pocco projects.</a:t>
+            </a:r>
+            <a:endParaRPr lang="en-US" altLang="en-US" sz="1800" dirty="0">
+              <a:solidFill>
+                <a:srgbClr val="262626"/>
+              </a:solidFill>
+            </a:endParaRPr>
+          </a:p>
+          <a:p>
+            <a:pPr marL="228600" lvl="0" indent="-228600" defTabSz="342900">
+              <a:lnSpc>
+                <a:spcPct val="120000"/>
+              </a:lnSpc>
+              <a:buFont typeface="Arial" panose="020B0604020202020204" pitchFamily="34" charset="0"/>
+              <a:buChar char="•"/>
+            </a:pPr>
+            <a:endParaRPr lang="en-US" altLang="en-US" sz="1800" dirty="0">
+              <a:solidFill>
+                <a:srgbClr val="262626"/>
+              </a:solidFill>
+            </a:endParaRPr>
+          </a:p>
+          <a:p>
+            <a:pPr marL="228600" lvl="0" indent="-228600" defTabSz="342900">
+              <a:lnSpc>
+                <a:spcPct val="120000"/>
+              </a:lnSpc>
+              <a:buFont typeface="Arial" panose="020B0604020202020204" pitchFamily="34" charset="0"/>
+              <a:buChar char="•"/>
+            </a:pPr>
+            <a:r>
+              <a:rPr lang="en-US" altLang="en-US" sz="1800" dirty="0">
+                <a:solidFill>
+                  <a:srgbClr val="262626"/>
+                </a:solidFill>
+              </a:rPr>
+              <a:t>So we can use this to write frontend and backend</a:t>
+            </a:r>
+            <a:endParaRPr lang="en-US" altLang="en-US" sz="1800" dirty="0">
+              <a:solidFill>
+                <a:srgbClr val="262626"/>
+              </a:solidFill>
+            </a:endParaRPr>
+          </a:p>
+        </p:txBody>
+      </p:sp>
+    </p:spTree>
+  </p:cSld>
+  <p:clrMapOvr>
+    <a:masterClrMapping/>
+  </p:clrMapOvr>
+</p:sld>
+</file>
+
+<file path=ppt/slides/slide18.xml><?xml version="1.0" encoding="utf-8"?>
+<p:sld xmlns:a="http://schemas.openxmlformats.org/drawingml/2006/main" xmlns:r="http://schemas.openxmlformats.org/officeDocument/2006/relationships" xmlns:p="http://schemas.openxmlformats.org/presentationml/2006/main">
+  <p:cSld>
+    <p:spTree>
+      <p:nvGrpSpPr>
+        <p:cNvPr id="1" name=""/>
+        <p:cNvGrpSpPr/>
+        <p:nvPr/>
+      </p:nvGrpSpPr>
+      <p:grpSpPr>
+        <a:xfrm>
+          <a:off x="0" y="0"/>
+          <a:ext cx="0" cy="0"/>
+          <a:chOff x="0" y="0"/>
+          <a:chExt cx="0" cy="0"/>
+        </a:xfrm>
+      </p:grpSpPr>
+      <p:sp>
+        <p:nvSpPr>
+          <p:cNvPr id="2" name="Title 1"/>
+          <p:cNvSpPr>
+            <a:spLocks noGrp="1"/>
+          </p:cNvSpPr>
+          <p:nvPr>
+            <p:ph type="title"/>
+          </p:nvPr>
+        </p:nvSpPr>
+        <p:spPr>
+          <a:xfrm>
+            <a:off x="628650" y="155263"/>
+            <a:ext cx="7886700" cy="526790"/>
+          </a:xfrm>
+        </p:spPr>
+        <p:txBody>
+          <a:bodyPr>
+            <a:normAutofit fontScale="90000"/>
+          </a:bodyPr>
+          <a:lstStyle/>
+          <a:p>
+            <a:pPr algn="ctr"/>
+            <a:r>
+              <a:rPr lang="en-US" sz="3200" b="1" dirty="0">
+                <a:latin typeface="Calibri" panose="020F0502020204030204" pitchFamily="34" charset="0"/>
+                <a:cs typeface="Calibri" panose="020F0502020204030204" pitchFamily="34" charset="0"/>
+                <a:sym typeface="+mn-ea"/>
+              </a:rPr>
+              <a:t>What is Flask</a:t>
+            </a:r>
+            <a:endParaRPr lang="en-US" sz="3200" b="1" dirty="0">
+              <a:latin typeface="Calibri" panose="020F0502020204030204" pitchFamily="34" charset="0"/>
+              <a:cs typeface="Calibri" panose="020F0502020204030204" pitchFamily="34" charset="0"/>
+            </a:endParaRPr>
+          </a:p>
+        </p:txBody>
+      </p:sp>
+      <p:sp>
+        <p:nvSpPr>
+          <p:cNvPr id="3" name="Content Placeholder 2"/>
+          <p:cNvSpPr>
+            <a:spLocks noGrp="1"/>
+          </p:cNvSpPr>
+          <p:nvPr>
+            <p:ph idx="1"/>
+          </p:nvPr>
+        </p:nvSpPr>
+        <p:spPr>
+          <a:xfrm>
+            <a:off x="628650" y="989044"/>
+            <a:ext cx="7886700" cy="5605719"/>
+          </a:xfrm>
+        </p:spPr>
+        <p:txBody>
+          <a:bodyPr>
+            <a:normAutofit/>
+          </a:bodyPr>
+          <a:lstStyle/>
+          <a:p>
+            <a:pPr marL="228600" lvl="0" indent="-228600" defTabSz="342900">
+              <a:lnSpc>
+                <a:spcPct val="120000"/>
+              </a:lnSpc>
+              <a:buFont typeface="Arial" panose="020B0604020202020204" pitchFamily="34" charset="0"/>
+              <a:buChar char="•"/>
+            </a:pPr>
+            <a:r>
+              <a:rPr lang="en-US" altLang="en-US" sz="1800" dirty="0">
+                <a:solidFill>
+                  <a:srgbClr val="262626"/>
+                </a:solidFill>
+              </a:rPr>
+              <a:t>https://www.tutorialspoint.com/flask/index.htm</a:t>
+            </a:r>
+            <a:endParaRPr lang="en-US" altLang="en-US" sz="1800" dirty="0">
+              <a:solidFill>
+                <a:srgbClr val="262626"/>
+              </a:solidFill>
+            </a:endParaRPr>
+          </a:p>
+          <a:p>
+            <a:pPr marL="228600" lvl="0" indent="-228600" defTabSz="342900">
+              <a:lnSpc>
+                <a:spcPct val="120000"/>
+              </a:lnSpc>
+              <a:buFont typeface="Arial" panose="020B0604020202020204" pitchFamily="34" charset="0"/>
+              <a:buChar char="•"/>
+            </a:pPr>
+            <a:r>
+              <a:rPr lang="en-US" altLang="en-US" sz="1800" dirty="0">
+                <a:solidFill>
+                  <a:srgbClr val="262626"/>
+                </a:solidFill>
+              </a:rPr>
+              <a:t>backend / api service</a:t>
+            </a:r>
+            <a:endParaRPr lang="en-US" altLang="en-US" sz="1800" dirty="0">
+              <a:solidFill>
+                <a:srgbClr val="262626"/>
+              </a:solidFill>
+            </a:endParaRPr>
+          </a:p>
+          <a:p>
+            <a:pPr marL="228600" lvl="0" indent="-228600" defTabSz="342900">
+              <a:lnSpc>
+                <a:spcPct val="120000"/>
+              </a:lnSpc>
+              <a:buFont typeface="Arial" panose="020B0604020202020204" pitchFamily="34" charset="0"/>
+              <a:buChar char="•"/>
+            </a:pPr>
+            <a:r>
+              <a:rPr lang="en-US" altLang="en-US" sz="1800" dirty="0">
+                <a:solidFill>
+                  <a:srgbClr val="262626"/>
+                </a:solidFill>
+              </a:rPr>
+              <a:t>Application is main program</a:t>
+            </a:r>
+            <a:endParaRPr lang="en-US" altLang="en-US" sz="1800" dirty="0">
+              <a:solidFill>
+                <a:srgbClr val="262626"/>
+              </a:solidFill>
+            </a:endParaRPr>
+          </a:p>
+          <a:p>
+            <a:pPr marL="228600" lvl="0" indent="-228600" defTabSz="342900">
+              <a:lnSpc>
+                <a:spcPct val="120000"/>
+              </a:lnSpc>
+              <a:buFont typeface="Arial" panose="020B0604020202020204" pitchFamily="34" charset="0"/>
+              <a:buChar char="•"/>
+            </a:pPr>
+            <a:r>
+              <a:rPr lang="en-US" altLang="en-US" sz="1800" dirty="0">
+                <a:solidFill>
+                  <a:srgbClr val="262626"/>
+                </a:solidFill>
+              </a:rPr>
+              <a:t>routing and variable rules contral the logic</a:t>
+            </a:r>
+            <a:endParaRPr lang="en-US" altLang="en-US" sz="1800" dirty="0">
+              <a:solidFill>
+                <a:srgbClr val="262626"/>
+              </a:solidFill>
+            </a:endParaRPr>
+          </a:p>
+          <a:p>
+            <a:pPr marL="228600" lvl="0" indent="-228600" defTabSz="342900">
+              <a:lnSpc>
+                <a:spcPct val="120000"/>
+              </a:lnSpc>
+              <a:buFont typeface="Arial" panose="020B0604020202020204" pitchFamily="34" charset="0"/>
+              <a:buChar char="•"/>
+            </a:pPr>
+            <a:r>
+              <a:rPr lang="en-US" altLang="en-US" sz="1800" dirty="0">
+                <a:solidFill>
+                  <a:srgbClr val="262626"/>
+                </a:solidFill>
+              </a:rPr>
+              <a:t>see code</a:t>
+            </a:r>
+            <a:endParaRPr lang="en-US" altLang="en-US" sz="1800" dirty="0">
+              <a:solidFill>
+                <a:srgbClr val="262626"/>
+              </a:solidFill>
+            </a:endParaRPr>
+          </a:p>
+          <a:p>
+            <a:pPr marL="228600" lvl="0" indent="-228600" defTabSz="342900">
+              <a:lnSpc>
+                <a:spcPct val="120000"/>
+              </a:lnSpc>
+              <a:buFont typeface="Arial" panose="020B0604020202020204" pitchFamily="34" charset="0"/>
+              <a:buChar char="•"/>
+            </a:pPr>
+            <a:endParaRPr lang="en-US" altLang="en-US" sz="1800" dirty="0">
+              <a:solidFill>
+                <a:srgbClr val="262626"/>
+              </a:solidFill>
+            </a:endParaRPr>
+          </a:p>
+          <a:p>
+            <a:pPr marL="228600" lvl="0" indent="-228600" defTabSz="342900">
+              <a:lnSpc>
+                <a:spcPct val="120000"/>
+              </a:lnSpc>
+              <a:buFont typeface="Arial" panose="020B0604020202020204" pitchFamily="34" charset="0"/>
+              <a:buChar char="•"/>
+            </a:pPr>
+            <a:endParaRPr lang="en-US" altLang="en-US" sz="1800" dirty="0">
+              <a:solidFill>
+                <a:srgbClr val="262626"/>
+              </a:solidFill>
+            </a:endParaRPr>
+          </a:p>
+          <a:p>
+            <a:pPr marL="228600" lvl="0" indent="-228600" defTabSz="342900">
+              <a:lnSpc>
+                <a:spcPct val="120000"/>
+              </a:lnSpc>
+              <a:buFont typeface="Arial" panose="020B0604020202020204" pitchFamily="34" charset="0"/>
+              <a:buChar char="•"/>
+            </a:pPr>
+            <a:r>
+              <a:rPr lang="en-US" altLang="en-US" sz="1800" dirty="0">
+                <a:solidFill>
+                  <a:srgbClr val="262626"/>
+                </a:solidFill>
+              </a:rPr>
+              <a:t>Templates is the front end</a:t>
+            </a:r>
+            <a:endParaRPr lang="en-US" altLang="en-US" sz="1800" dirty="0">
+              <a:solidFill>
+                <a:srgbClr val="262626"/>
+              </a:solidFill>
+            </a:endParaRPr>
+          </a:p>
+          <a:p>
+            <a:pPr marL="228600" lvl="0" indent="-228600" defTabSz="342900">
+              <a:lnSpc>
+                <a:spcPct val="120000"/>
+              </a:lnSpc>
+              <a:buFont typeface="Arial" panose="020B0604020202020204" pitchFamily="34" charset="0"/>
+              <a:buChar char="•"/>
+            </a:pPr>
+            <a:r>
+              <a:rPr lang="en-US" altLang="en-US" sz="1800" dirty="0">
+                <a:solidFill>
+                  <a:srgbClr val="262626"/>
+                </a:solidFill>
+              </a:rPr>
+              <a:t>SQLite is the and SQLalchemy is the data model</a:t>
+            </a:r>
+            <a:endParaRPr lang="en-US" altLang="en-US" sz="1800" dirty="0">
+              <a:solidFill>
+                <a:srgbClr val="262626"/>
+              </a:solidFill>
+            </a:endParaRPr>
+          </a:p>
+        </p:txBody>
+      </p:sp>
+      <p:pic>
+        <p:nvPicPr>
+          <p:cNvPr id="4" name="图片 3"/>
+          <p:cNvPicPr>
+            <a:picLocks noChangeAspect="1"/>
+          </p:cNvPicPr>
+          <p:nvPr/>
+        </p:nvPicPr>
+        <p:blipFill>
+          <a:blip r:embed="rId1"/>
+          <a:stretch>
+            <a:fillRect/>
+          </a:stretch>
+        </p:blipFill>
+        <p:spPr>
+          <a:xfrm>
+            <a:off x="6181725" y="0"/>
+            <a:ext cx="2333625" cy="5305425"/>
+          </a:xfrm>
+          <a:prstGeom prst="rect">
+            <a:avLst/>
+          </a:prstGeom>
+        </p:spPr>
+      </p:pic>
+      <p:pic>
+        <p:nvPicPr>
+          <p:cNvPr id="5" name="图片 4"/>
+          <p:cNvPicPr>
+            <a:picLocks noChangeAspect="1"/>
+          </p:cNvPicPr>
+          <p:nvPr/>
+        </p:nvPicPr>
+        <p:blipFill>
+          <a:blip r:embed="rId2"/>
+          <a:stretch>
+            <a:fillRect/>
+          </a:stretch>
+        </p:blipFill>
+        <p:spPr>
+          <a:xfrm>
+            <a:off x="6181725" y="5013960"/>
+            <a:ext cx="2281555" cy="1351915"/>
+          </a:xfrm>
+          <a:prstGeom prst="rect">
+            <a:avLst/>
+          </a:prstGeom>
+        </p:spPr>
+      </p:pic>
+    </p:spTree>
+  </p:cSld>
+  <p:clrMapOvr>
+    <a:masterClrMapping/>
+  </p:clrMapOvr>
+</p:sld>
+</file>
+
+<file path=ppt/slides/slide19.xml><?xml version="1.0" encoding="utf-8"?>
+<p:sld xmlns:a="http://schemas.openxmlformats.org/drawingml/2006/main" xmlns:r="http://schemas.openxmlformats.org/officeDocument/2006/relationships" xmlns:p="http://schemas.openxmlformats.org/presentationml/2006/main">
+  <p:cSld>
+    <p:spTree>
+      <p:nvGrpSpPr>
+        <p:cNvPr id="1" name=""/>
+        <p:cNvGrpSpPr/>
+        <p:nvPr/>
+      </p:nvGrpSpPr>
+      <p:grpSpPr>
+        <a:xfrm>
+          <a:off x="0" y="0"/>
+          <a:ext cx="0" cy="0"/>
+          <a:chOff x="0" y="0"/>
+          <a:chExt cx="0" cy="0"/>
+        </a:xfrm>
+      </p:grpSpPr>
+      <p:sp>
+        <p:nvSpPr>
+          <p:cNvPr id="2" name="Title 1"/>
+          <p:cNvSpPr>
+            <a:spLocks noGrp="1"/>
+          </p:cNvSpPr>
+          <p:nvPr>
+            <p:ph type="title"/>
+          </p:nvPr>
+        </p:nvSpPr>
+        <p:spPr>
+          <a:xfrm>
+            <a:off x="628650" y="155263"/>
+            <a:ext cx="7886700" cy="526790"/>
+          </a:xfrm>
+        </p:spPr>
+        <p:txBody>
+          <a:bodyPr>
+            <a:normAutofit fontScale="90000"/>
+          </a:bodyPr>
+          <a:lstStyle/>
+          <a:p>
+            <a:pPr algn="ctr"/>
+            <a:r>
+              <a:rPr lang="en-US" sz="3200" b="1" dirty="0">
+                <a:latin typeface="Calibri" panose="020F0502020204030204" pitchFamily="34" charset="0"/>
+                <a:cs typeface="Calibri" panose="020F0502020204030204" pitchFamily="34" charset="0"/>
+                <a:sym typeface="+mn-ea"/>
+              </a:rPr>
+              <a:t>Setup Metadata service with Flask</a:t>
+            </a:r>
+            <a:endParaRPr lang="en-US" sz="3200" b="1" dirty="0">
+              <a:latin typeface="Calibri" panose="020F0502020204030204" pitchFamily="34" charset="0"/>
+              <a:cs typeface="Calibri" panose="020F0502020204030204" pitchFamily="34" charset="0"/>
+            </a:endParaRPr>
+          </a:p>
+        </p:txBody>
+      </p:sp>
+      <p:sp>
+        <p:nvSpPr>
+          <p:cNvPr id="3" name="Content Placeholder 2"/>
+          <p:cNvSpPr>
+            <a:spLocks noGrp="1"/>
+          </p:cNvSpPr>
+          <p:nvPr>
+            <p:ph idx="1"/>
+          </p:nvPr>
+        </p:nvSpPr>
+        <p:spPr>
+          <a:xfrm>
+            <a:off x="628650" y="989044"/>
+            <a:ext cx="7886700" cy="5605719"/>
+          </a:xfrm>
+        </p:spPr>
+        <p:txBody>
+          <a:bodyPr>
+            <a:normAutofit/>
+          </a:bodyPr>
+          <a:lstStyle/>
+          <a:p>
+            <a:pPr marL="228600" lvl="0" indent="-228600" defTabSz="342900">
+              <a:lnSpc>
+                <a:spcPct val="120000"/>
+              </a:lnSpc>
+              <a:buFont typeface="Arial" panose="020B0604020202020204" pitchFamily="34" charset="0"/>
+              <a:buChar char="•"/>
+            </a:pPr>
+            <a:r>
+              <a:rPr lang="en-US" altLang="en-US" sz="1800" dirty="0">
+                <a:solidFill>
+                  <a:srgbClr val="262626"/>
+                </a:solidFill>
+              </a:rPr>
+              <a:t>Code Demo</a:t>
+            </a:r>
+            <a:endParaRPr lang="en-US" altLang="en-US" sz="1800" dirty="0">
+              <a:solidFill>
+                <a:srgbClr val="262626"/>
+              </a:solidFill>
+            </a:endParaRPr>
+          </a:p>
+        </p:txBody>
+      </p:sp>
+    </p:spTree>
+  </p:cSld>
+  <p:clrMapOvr>
+    <a:masterClrMapping/>
+  </p:clrMapOvr>
+</p:sld>
+</file>
+
 <file path=ppt/slides/slide2.xml><?xml version="1.0" encoding="utf-8"?>
 <p:sld xmlns:a="http://schemas.openxmlformats.org/drawingml/2006/main" xmlns:r="http://schemas.openxmlformats.org/officeDocument/2006/relationships" xmlns:p="http://schemas.openxmlformats.org/presentationml/2006/main">
   <p:cSld>
@@ -7366,9 +9631,17 @@
                 <a:cs typeface="Calibri" panose="020F0502020204030204" pitchFamily="34" charset="0"/>
                 <a:sym typeface="+mn-ea"/>
               </a:rPr>
-              <a:t>Code Demo: mint a new token and transfer assets</a:t>
-            </a:r>
-            <a:endParaRPr lang="en-US" dirty="0">
+              <a:t>Code Demo: </a:t>
+            </a:r>
+            <a:r>
+              <a:rPr lang="en-US" dirty="0">
+                <a:latin typeface="Calibri" panose="020F0502020204030204" pitchFamily="34" charset="0"/>
+                <a:cs typeface="Calibri" panose="020F0502020204030204" pitchFamily="34" charset="0"/>
+                <a:sym typeface="+mn-ea"/>
+              </a:rPr>
+              <a:t>How to create a Debt ERC721 </a:t>
+            </a:r>
+            <a:endParaRPr lang="zh-CN" altLang="en-US" dirty="0">
               <a:latin typeface="Calibri" panose="020F0502020204030204" pitchFamily="34" charset="0"/>
               <a:cs typeface="Calibri" panose="020F0502020204030204" pitchFamily="34" charset="0"/>
             </a:endParaRPr>
@@ -7390,16 +9663,90 @@
                 <a:cs typeface="Calibri" panose="020F0502020204030204" pitchFamily="34" charset="0"/>
                 <a:sym typeface="+mn-ea"/>
               </a:rPr>
-              <a:t>Code Demo: </a:t>
-            </a:r>
+              <a:t>What is Opensea</a:t>
+            </a:r>
+            <a:endParaRPr lang="en-US" b="1" dirty="0">
+              <a:latin typeface="Calibri" panose="020F0502020204030204" pitchFamily="34" charset="0"/>
+              <a:cs typeface="Calibri" panose="020F0502020204030204" pitchFamily="34" charset="0"/>
+            </a:endParaRPr>
+          </a:p>
+          <a:p>
+            <a:pPr marL="171450" lvl="0" indent="-171450" fontAlgn="auto">
+              <a:lnSpc>
+                <a:spcPct val="200000"/>
+              </a:lnSpc>
+              <a:spcBef>
+                <a:spcPts val="700"/>
+              </a:spcBef>
+              <a:buFont typeface="Arial" panose="020B0604020202020204" pitchFamily="34" charset="0"/>
+              <a:buChar char="•"/>
+            </a:pPr>
             <a:r>
               <a:rPr lang="en-US" dirty="0">
                 <a:latin typeface="Calibri" panose="020F0502020204030204" pitchFamily="34" charset="0"/>
                 <a:cs typeface="Calibri" panose="020F0502020204030204" pitchFamily="34" charset="0"/>
                 <a:sym typeface="+mn-ea"/>
               </a:rPr>
-              <a:t>How to use opensea js</a:t>
-            </a:r>
+              <a:t>Opensea Sales Model</a:t>
+            </a:r>
+            <a:endParaRPr lang="en-US" dirty="0">
+              <a:latin typeface="Calibri" panose="020F0502020204030204" pitchFamily="34" charset="0"/>
+              <a:cs typeface="Calibri" panose="020F0502020204030204" pitchFamily="34" charset="0"/>
+              <a:sym typeface="+mn-ea"/>
+            </a:endParaRPr>
+          </a:p>
+          <a:p>
+            <a:pPr marL="171450" lvl="0" indent="-171450" fontAlgn="auto">
+              <a:lnSpc>
+                <a:spcPct val="200000"/>
+              </a:lnSpc>
+              <a:spcBef>
+                <a:spcPts val="700"/>
+              </a:spcBef>
+              <a:buFont typeface="Arial" panose="020B0604020202020204" pitchFamily="34" charset="0"/>
+              <a:buChar char="•"/>
+            </a:pPr>
+            <a:r>
+              <a:rPr lang="en-US" dirty="0">
+                <a:latin typeface="Calibri" panose="020F0502020204030204" pitchFamily="34" charset="0"/>
+                <a:cs typeface="Calibri" panose="020F0502020204030204" pitchFamily="34" charset="0"/>
+                <a:sym typeface="+mn-ea"/>
+              </a:rPr>
+              <a:t>Code Demo: Opensea Creatures Code Explaination</a:t>
+            </a:r>
+            <a:endParaRPr lang="en-US" dirty="0">
+              <a:latin typeface="Calibri" panose="020F0502020204030204" pitchFamily="34" charset="0"/>
+              <a:cs typeface="Calibri" panose="020F0502020204030204" pitchFamily="34" charset="0"/>
+              <a:sym typeface="+mn-ea"/>
+            </a:endParaRPr>
+          </a:p>
+          <a:p>
+            <a:pPr marL="171450" lvl="0" indent="-171450" fontAlgn="auto">
+              <a:lnSpc>
+                <a:spcPct val="200000"/>
+              </a:lnSpc>
+              <a:spcBef>
+                <a:spcPts val="700"/>
+              </a:spcBef>
+              <a:buFont typeface="Arial" panose="020B0604020202020204" pitchFamily="34" charset="0"/>
+              <a:buChar char="•"/>
+            </a:pPr>
+            <a:endParaRPr lang="en-US" dirty="0">
+              <a:latin typeface="Calibri" panose="020F0502020204030204" pitchFamily="34" charset="0"/>
+              <a:cs typeface="Calibri" panose="020F0502020204030204" pitchFamily="34" charset="0"/>
+            </a:endParaRPr>
+          </a:p>
+          <a:p>
+            <a:pPr marL="171450" lvl="0" indent="-171450" fontAlgn="auto">
+              <a:lnSpc>
+                <a:spcPct val="200000"/>
+              </a:lnSpc>
+              <a:spcBef>
+                <a:spcPts val="700"/>
+              </a:spcBef>
+              <a:buFont typeface="Arial" panose="020B0604020202020204" pitchFamily="34" charset="0"/>
+              <a:buChar char="•"/>
+            </a:pPr>
             <a:endParaRPr lang="en-US" dirty="0">
               <a:latin typeface="Calibri" panose="020F0502020204030204" pitchFamily="34" charset="0"/>
               <a:cs typeface="Calibri" panose="020F0502020204030204" pitchFamily="34" charset="0"/>
@@ -7786,7 +10133,7 @@
                 <a:latin typeface="Calibri" panose="020F0502020204030204" pitchFamily="34" charset="0"/>
                 <a:cs typeface="Calibri" panose="020F0502020204030204" pitchFamily="34" charset="0"/>
               </a:rPr>
-              <a:t>How to Deploy Opensea Creatures</a:t>
+              <a:t>What is ERC721</a:t>
             </a:r>
             <a:endParaRPr lang="en-US" sz="3200" b="1" dirty="0">
               <a:latin typeface="Calibri" panose="020F0502020204030204" pitchFamily="34" charset="0"/>
@@ -7813,16 +10160,16 @@
         </p:spPr>
         <p:txBody>
           <a:bodyPr>
-            <a:normAutofit/>
+            <a:normAutofit fontScale="75000"/>
           </a:bodyPr>
           <a:lstStyle/>
           <a:p>
-            <a:pPr marL="228600" lvl="0" indent="-228600" defTabSz="342900">
+            <a:pPr marL="0" lvl="0" indent="0" defTabSz="342900">
               <a:lnSpc>
                 <a:spcPct val="120000"/>
               </a:lnSpc>
               <a:buFont typeface="Arial" panose="020B0604020202020204" pitchFamily="34" charset="0"/>
-              <a:buChar char="•"/>
+              <a:buNone/>
             </a:pPr>
             <a:r>
               <a:rPr lang="en-US" altLang="en-US" sz="1800" dirty="0">
@@ -7830,7 +10177,7 @@
                   <a:srgbClr val="262626"/>
                 </a:solidFill>
               </a:rPr>
-              <a:t>https://docs.opensea.io/docs/getting-started</a:t>
+              <a:t>interface IERC721 is IERC165 {</a:t>
             </a:r>
             <a:endParaRPr lang="en-US" altLang="en-US" sz="1800" dirty="0">
               <a:solidFill>
@@ -7839,12 +10186,12 @@
             </a:endParaRPr>
           </a:p>
           <a:p>
-            <a:pPr marL="228600" lvl="0" indent="-228600" defTabSz="342900">
+            <a:pPr marL="0" lvl="0" indent="0" defTabSz="342900">
               <a:lnSpc>
                 <a:spcPct val="120000"/>
               </a:lnSpc>
               <a:buFont typeface="Arial" panose="020B0604020202020204" pitchFamily="34" charset="0"/>
-              <a:buChar char="•"/>
+              <a:buNone/>
             </a:pPr>
             <a:r>
               <a:rPr lang="en-US" altLang="en-US" sz="1800" dirty="0">
@@ -7852,7 +10199,7 @@
                   <a:srgbClr val="262626"/>
                 </a:solidFill>
               </a:rPr>
-              <a:t>git clone https://github.com/ProjectOpenSea/opensea-creatures.git</a:t>
+              <a:t>    event Transfer(address indexed from, address indexed to, uint256 indexed tokenId);</a:t>
             </a:r>
             <a:endParaRPr lang="en-US" altLang="en-US" sz="1800" dirty="0">
               <a:solidFill>
@@ -7861,12 +10208,12 @@
             </a:endParaRPr>
           </a:p>
           <a:p>
-            <a:pPr marL="228600" lvl="0" indent="-228600" defTabSz="342900">
+            <a:pPr marL="0" lvl="0" indent="0" defTabSz="342900">
               <a:lnSpc>
                 <a:spcPct val="120000"/>
               </a:lnSpc>
               <a:buFont typeface="Arial" panose="020B0604020202020204" pitchFamily="34" charset="0"/>
-              <a:buChar char="•"/>
+              <a:buNone/>
             </a:pPr>
             <a:r>
               <a:rPr lang="en-US" altLang="en-US" sz="1800" dirty="0">
@@ -7874,7 +10221,7 @@
                   <a:srgbClr val="262626"/>
                 </a:solidFill>
               </a:rPr>
-              <a:t>yarn install</a:t>
+              <a:t>    event Approval(address indexed owner, address indexed approved, uint256 indexed tokenId);</a:t>
             </a:r>
             <a:endParaRPr lang="en-US" altLang="en-US" sz="1800" dirty="0">
               <a:solidFill>
@@ -7883,12 +10230,12 @@
             </a:endParaRPr>
           </a:p>
           <a:p>
-            <a:pPr marL="228600" lvl="0" indent="-228600" defTabSz="342900">
+            <a:pPr marL="0" lvl="0" indent="0" defTabSz="342900">
               <a:lnSpc>
                 <a:spcPct val="120000"/>
               </a:lnSpc>
               <a:buFont typeface="Arial" panose="020B0604020202020204" pitchFamily="34" charset="0"/>
-              <a:buChar char="•"/>
+              <a:buNone/>
             </a:pPr>
             <a:r>
               <a:rPr lang="en-US" altLang="en-US" sz="1800" dirty="0">
@@ -7896,7 +10243,23 @@
                   <a:srgbClr val="262626"/>
                 </a:solidFill>
               </a:rPr>
-              <a:t>export ALCHEMY_KEY="&lt;your_alchemy_project_id&gt;"</a:t>
+              <a:t>    event </a:t>
+            </a:r>
+            <a:r>
+              <a:rPr lang="en-US" altLang="en-US" sz="1800" dirty="0">
+                <a:solidFill>
+                  <a:srgbClr val="FF0000"/>
+                </a:solidFill>
+              </a:rPr>
+              <a:t>ApprovalForAll</a:t>
+            </a:r>
+            <a:r>
+              <a:rPr lang="en-US" altLang="en-US" sz="1800" dirty="0">
+                <a:solidFill>
+                  <a:srgbClr val="262626"/>
+                </a:solidFill>
+              </a:rPr>
+              <a:t>(address indexed owner, address indexed operator, bool approved);</a:t>
             </a:r>
             <a:endParaRPr lang="en-US" altLang="en-US" sz="1800" dirty="0">
               <a:solidFill>
@@ -7905,12 +10268,12 @@
             </a:endParaRPr>
           </a:p>
           <a:p>
-            <a:pPr marL="228600" lvl="0" indent="-228600" defTabSz="342900">
+            <a:pPr marL="0" lvl="0" indent="0" defTabSz="342900">
               <a:lnSpc>
                 <a:spcPct val="120000"/>
               </a:lnSpc>
               <a:buFont typeface="Arial" panose="020B0604020202020204" pitchFamily="34" charset="0"/>
-              <a:buChar char="•"/>
+              <a:buNone/>
             </a:pPr>
             <a:r>
               <a:rPr lang="en-US" altLang="en-US" sz="1800" dirty="0">
@@ -7918,7 +10281,7 @@
                   <a:srgbClr val="262626"/>
                 </a:solidFill>
               </a:rPr>
-              <a:t>export MNEMONIC="&lt;metamask&gt;"</a:t>
+              <a:t>    function balanceOf(address owner) external view returns (uint256 balance);</a:t>
             </a:r>
             <a:endParaRPr lang="en-US" altLang="en-US" sz="1800" dirty="0">
               <a:solidFill>
@@ -7927,12 +10290,12 @@
             </a:endParaRPr>
           </a:p>
           <a:p>
-            <a:pPr marL="228600" lvl="0" indent="-228600" defTabSz="342900">
+            <a:pPr marL="0" lvl="0" indent="0" defTabSz="342900">
               <a:lnSpc>
                 <a:spcPct val="120000"/>
               </a:lnSpc>
               <a:buFont typeface="Arial" panose="020B0604020202020204" pitchFamily="34" charset="0"/>
-              <a:buChar char="•"/>
+              <a:buNone/>
             </a:pPr>
             <a:r>
               <a:rPr lang="en-US" altLang="en-US" sz="1800" dirty="0">
@@ -7940,7 +10303,23 @@
                   <a:srgbClr val="262626"/>
                 </a:solidFill>
               </a:rPr>
-              <a:t>export NETWORK="rinkeby"</a:t>
+              <a:t>    function </a:t>
+            </a:r>
+            <a:r>
+              <a:rPr lang="en-US" altLang="en-US" sz="1800" dirty="0">
+                <a:solidFill>
+                  <a:srgbClr val="FF0000"/>
+                </a:solidFill>
+              </a:rPr>
+              <a:t>ownerOf</a:t>
+            </a:r>
+            <a:r>
+              <a:rPr lang="en-US" altLang="en-US" sz="1800" dirty="0">
+                <a:solidFill>
+                  <a:srgbClr val="262626"/>
+                </a:solidFill>
+              </a:rPr>
+              <a:t>(uint256 tokenId) external view returns (address owner);</a:t>
             </a:r>
             <a:endParaRPr lang="en-US" altLang="en-US" sz="1800" dirty="0">
               <a:solidFill>
@@ -7949,12 +10328,12 @@
             </a:endParaRPr>
           </a:p>
           <a:p>
-            <a:pPr marL="228600" lvl="0" indent="-228600" defTabSz="342900">
+            <a:pPr marL="0" lvl="0" indent="0" defTabSz="342900">
               <a:lnSpc>
                 <a:spcPct val="120000"/>
               </a:lnSpc>
               <a:buFont typeface="Arial" panose="020B0604020202020204" pitchFamily="34" charset="0"/>
-              <a:buChar char="•"/>
+              <a:buNone/>
             </a:pPr>
             <a:r>
               <a:rPr lang="en-US" altLang="en-US" sz="1800" dirty="0">
@@ -7962,7 +10341,225 @@
                   <a:srgbClr val="262626"/>
                 </a:solidFill>
               </a:rPr>
-              <a:t>truffle deploy --network rinkeby</a:t>
+              <a:t>    function safeTransferFrom(address from, address to, uint256 tokenId) external;</a:t>
+            </a:r>
+            <a:endParaRPr lang="en-US" altLang="en-US" sz="1800" dirty="0">
+              <a:solidFill>
+                <a:srgbClr val="262626"/>
+              </a:solidFill>
+            </a:endParaRPr>
+          </a:p>
+          <a:p>
+            <a:pPr marL="0" lvl="0" indent="0" defTabSz="342900">
+              <a:lnSpc>
+                <a:spcPct val="120000"/>
+              </a:lnSpc>
+              <a:buFont typeface="Arial" panose="020B0604020202020204" pitchFamily="34" charset="0"/>
+              <a:buNone/>
+            </a:pPr>
+            <a:r>
+              <a:rPr lang="en-US" altLang="en-US" sz="1800" dirty="0">
+                <a:solidFill>
+                  <a:srgbClr val="262626"/>
+                </a:solidFill>
+              </a:rPr>
+              <a:t>    function transferFrom(address from, address to, uint256 tokenId) external;</a:t>
+            </a:r>
+            <a:endParaRPr lang="en-US" altLang="en-US" sz="1800" dirty="0">
+              <a:solidFill>
+                <a:srgbClr val="262626"/>
+              </a:solidFill>
+            </a:endParaRPr>
+          </a:p>
+          <a:p>
+            <a:pPr marL="0" lvl="0" indent="0" defTabSz="342900">
+              <a:lnSpc>
+                <a:spcPct val="120000"/>
+              </a:lnSpc>
+              <a:buFont typeface="Arial" panose="020B0604020202020204" pitchFamily="34" charset="0"/>
+              <a:buNone/>
+            </a:pPr>
+            <a:r>
+              <a:rPr lang="en-US" altLang="en-US" sz="1800" dirty="0">
+                <a:solidFill>
+                  <a:srgbClr val="262626"/>
+                </a:solidFill>
+              </a:rPr>
+              <a:t>    function </a:t>
+            </a:r>
+            <a:r>
+              <a:rPr lang="en-US" altLang="en-US" sz="1800" dirty="0">
+                <a:solidFill>
+                  <a:srgbClr val="FF0000"/>
+                </a:solidFill>
+              </a:rPr>
+              <a:t>approve</a:t>
+            </a:r>
+            <a:r>
+              <a:rPr lang="en-US" altLang="en-US" sz="1800" dirty="0">
+                <a:solidFill>
+                  <a:srgbClr val="262626"/>
+                </a:solidFill>
+              </a:rPr>
+              <a:t>(address to, uint256 tokenId) external;</a:t>
+            </a:r>
+            <a:endParaRPr lang="en-US" altLang="en-US" sz="1800" dirty="0">
+              <a:solidFill>
+                <a:srgbClr val="262626"/>
+              </a:solidFill>
+            </a:endParaRPr>
+          </a:p>
+          <a:p>
+            <a:pPr marL="0" lvl="0" indent="0" defTabSz="342900">
+              <a:lnSpc>
+                <a:spcPct val="120000"/>
+              </a:lnSpc>
+              <a:buFont typeface="Arial" panose="020B0604020202020204" pitchFamily="34" charset="0"/>
+              <a:buNone/>
+            </a:pPr>
+            <a:r>
+              <a:rPr lang="en-US" altLang="en-US" sz="1800" dirty="0">
+                <a:solidFill>
+                  <a:srgbClr val="262626"/>
+                </a:solidFill>
+              </a:rPr>
+              <a:t>    function </a:t>
+            </a:r>
+            <a:r>
+              <a:rPr lang="en-US" altLang="en-US" sz="1800" dirty="0">
+                <a:solidFill>
+                  <a:srgbClr val="FF0000"/>
+                </a:solidFill>
+              </a:rPr>
+              <a:t>getApproved</a:t>
+            </a:r>
+            <a:r>
+              <a:rPr lang="en-US" altLang="en-US" sz="1800" dirty="0">
+                <a:solidFill>
+                  <a:srgbClr val="262626"/>
+                </a:solidFill>
+              </a:rPr>
+              <a:t>(uint256 tokenId) external view returns (address operator);</a:t>
+            </a:r>
+            <a:endParaRPr lang="en-US" altLang="en-US" sz="1800" dirty="0">
+              <a:solidFill>
+                <a:srgbClr val="262626"/>
+              </a:solidFill>
+            </a:endParaRPr>
+          </a:p>
+          <a:p>
+            <a:pPr marL="0" lvl="0" indent="0" defTabSz="342900">
+              <a:lnSpc>
+                <a:spcPct val="120000"/>
+              </a:lnSpc>
+              <a:buFont typeface="Arial" panose="020B0604020202020204" pitchFamily="34" charset="0"/>
+              <a:buNone/>
+            </a:pPr>
+            <a:r>
+              <a:rPr lang="en-US" altLang="en-US" sz="1800" dirty="0">
+                <a:solidFill>
+                  <a:srgbClr val="262626"/>
+                </a:solidFill>
+              </a:rPr>
+              <a:t>    function </a:t>
+            </a:r>
+            <a:r>
+              <a:rPr lang="en-US" altLang="en-US" sz="1800" dirty="0">
+                <a:solidFill>
+                  <a:srgbClr val="FF0000"/>
+                </a:solidFill>
+              </a:rPr>
+              <a:t>setApprovalForAll</a:t>
+            </a:r>
+            <a:r>
+              <a:rPr lang="en-US" altLang="en-US" sz="1800" dirty="0">
+                <a:solidFill>
+                  <a:srgbClr val="262626"/>
+                </a:solidFill>
+              </a:rPr>
+              <a:t>(address operator, bool _approved) external;</a:t>
+            </a:r>
+            <a:endParaRPr lang="en-US" altLang="en-US" sz="1800" dirty="0">
+              <a:solidFill>
+                <a:srgbClr val="262626"/>
+              </a:solidFill>
+            </a:endParaRPr>
+          </a:p>
+          <a:p>
+            <a:pPr marL="0" lvl="0" indent="0" defTabSz="342900">
+              <a:lnSpc>
+                <a:spcPct val="120000"/>
+              </a:lnSpc>
+              <a:buFont typeface="Arial" panose="020B0604020202020204" pitchFamily="34" charset="0"/>
+              <a:buNone/>
+            </a:pPr>
+            <a:r>
+              <a:rPr lang="en-US" altLang="en-US" sz="1800" dirty="0">
+                <a:solidFill>
+                  <a:srgbClr val="262626"/>
+                </a:solidFill>
+              </a:rPr>
+              <a:t>    function </a:t>
+            </a:r>
+            <a:r>
+              <a:rPr lang="en-US" altLang="en-US" sz="1800" dirty="0">
+                <a:solidFill>
+                  <a:srgbClr val="FF0000"/>
+                </a:solidFill>
+              </a:rPr>
+              <a:t>isApprovedForAll</a:t>
+            </a:r>
+            <a:r>
+              <a:rPr lang="en-US" altLang="en-US" sz="1800" dirty="0">
+                <a:solidFill>
+                  <a:srgbClr val="262626"/>
+                </a:solidFill>
+              </a:rPr>
+              <a:t>(address owner, address operator) external view returns (bool);</a:t>
+            </a:r>
+            <a:endParaRPr lang="en-US" altLang="en-US" sz="1800" dirty="0">
+              <a:solidFill>
+                <a:srgbClr val="262626"/>
+              </a:solidFill>
+            </a:endParaRPr>
+          </a:p>
+          <a:p>
+            <a:pPr marL="0" lvl="0" indent="0" defTabSz="342900">
+              <a:lnSpc>
+                <a:spcPct val="120000"/>
+              </a:lnSpc>
+              <a:buFont typeface="Arial" panose="020B0604020202020204" pitchFamily="34" charset="0"/>
+              <a:buNone/>
+            </a:pPr>
+            <a:r>
+              <a:rPr lang="en-US" altLang="en-US" sz="1800" dirty="0">
+                <a:solidFill>
+                  <a:srgbClr val="262626"/>
+                </a:solidFill>
+              </a:rPr>
+              <a:t>    function safeTransferFrom(address from, address to, uint256 tokenId, bytes calldata data) external;</a:t>
+            </a:r>
+            <a:endParaRPr lang="en-US" altLang="en-US" sz="1800" dirty="0">
+              <a:solidFill>
+                <a:srgbClr val="262626"/>
+              </a:solidFill>
+            </a:endParaRPr>
+          </a:p>
+          <a:p>
+            <a:pPr marL="0" lvl="0" indent="0" defTabSz="342900">
+              <a:lnSpc>
+                <a:spcPct val="120000"/>
+              </a:lnSpc>
+              <a:buFont typeface="Arial" panose="020B0604020202020204" pitchFamily="34" charset="0"/>
+              <a:buNone/>
+            </a:pPr>
+            <a:r>
+              <a:rPr lang="en-US" altLang="en-US" sz="1800" dirty="0">
+                <a:solidFill>
+                  <a:srgbClr val="262626"/>
+                </a:solidFill>
+              </a:rPr>
+              <a:t>}</a:t>
             </a:r>
             <a:endParaRPr lang="en-US" altLang="en-US" sz="1800" dirty="0">
               <a:solidFill>
@@ -8025,7 +10622,7 @@
                 <a:latin typeface="Calibri" panose="020F0502020204030204" pitchFamily="34" charset="0"/>
                 <a:cs typeface="Calibri" panose="020F0502020204030204" pitchFamily="34" charset="0"/>
               </a:rPr>
-              <a:t>Code Demo: mint a new token and transfer assets</a:t>
+              <a:t>What is ERC721</a:t>
             </a:r>
             <a:endParaRPr lang="en-US" sz="3200" b="1" dirty="0">
               <a:latin typeface="Calibri" panose="020F0502020204030204" pitchFamily="34" charset="0"/>
@@ -8056,12 +10653,12 @@
           </a:bodyPr>
           <a:lstStyle/>
           <a:p>
-            <a:pPr marL="228600" lvl="0" indent="-228600" defTabSz="342900">
+            <a:pPr marL="0" lvl="0" indent="0" defTabSz="342900">
               <a:lnSpc>
                 <a:spcPct val="120000"/>
               </a:lnSpc>
               <a:buFont typeface="Arial" panose="020B0604020202020204" pitchFamily="34" charset="0"/>
-              <a:buChar char="•"/>
+              <a:buNone/>
             </a:pPr>
             <a:r>
               <a:rPr lang="en-US" altLang="en-US" sz="1800" dirty="0">
@@ -8069,7 +10666,7 @@
                   <a:srgbClr val="262626"/>
                 </a:solidFill>
               </a:rPr>
-              <a:t>opensea factory</a:t>
+              <a:t>ERC721 code walk through</a:t>
             </a:r>
             <a:endParaRPr lang="en-US" altLang="en-US" sz="1800" dirty="0">
               <a:solidFill>
@@ -8077,80 +10674,80 @@
               </a:solidFill>
             </a:endParaRPr>
           </a:p>
-          <a:p>
-            <a:pPr marL="228600" lvl="0" indent="-228600" defTabSz="342900">
-              <a:lnSpc>
-                <a:spcPct val="120000"/>
-              </a:lnSpc>
-              <a:buFont typeface="Arial" panose="020B0604020202020204" pitchFamily="34" charset="0"/>
-              <a:buChar char="•"/>
-            </a:pPr>
-            <a:endParaRPr lang="en-US" altLang="en-US" sz="1800" dirty="0">
-              <a:solidFill>
-                <a:srgbClr val="262626"/>
-              </a:solidFill>
-            </a:endParaRPr>
-          </a:p>
-          <a:p>
-            <a:pPr marL="228600" lvl="0" indent="-228600" defTabSz="342900">
-              <a:lnSpc>
-                <a:spcPct val="120000"/>
-              </a:lnSpc>
-              <a:buFont typeface="Arial" panose="020B0604020202020204" pitchFamily="34" charset="0"/>
-              <a:buChar char="•"/>
-            </a:pPr>
-            <a:r>
-              <a:rPr lang="en-US" altLang="en-US" sz="1800" dirty="0">
-                <a:solidFill>
-                  <a:srgbClr val="262626"/>
-                </a:solidFill>
-              </a:rPr>
-              <a:t>call mint function</a:t>
-            </a:r>
-            <a:endParaRPr lang="en-US" altLang="en-US" sz="1800" dirty="0">
-              <a:solidFill>
-                <a:srgbClr val="262626"/>
-              </a:solidFill>
-            </a:endParaRPr>
-          </a:p>
-          <a:p>
-            <a:pPr marL="228600" lvl="0" indent="-228600" defTabSz="342900">
-              <a:lnSpc>
-                <a:spcPct val="120000"/>
-              </a:lnSpc>
-              <a:buFont typeface="Arial" panose="020B0604020202020204" pitchFamily="34" charset="0"/>
-              <a:buChar char="•"/>
-            </a:pPr>
-            <a:endParaRPr lang="en-US" altLang="en-US" sz="1800" dirty="0">
-              <a:solidFill>
-                <a:srgbClr val="262626"/>
-              </a:solidFill>
-            </a:endParaRPr>
-          </a:p>
-          <a:p>
-            <a:pPr marL="228600" lvl="0" indent="-228600" defTabSz="342900">
-              <a:lnSpc>
-                <a:spcPct val="120000"/>
-              </a:lnSpc>
-              <a:buFont typeface="Arial" panose="020B0604020202020204" pitchFamily="34" charset="0"/>
-              <a:buChar char="•"/>
-            </a:pPr>
-            <a:r>
-              <a:rPr lang="en-US" altLang="en-US" sz="1800" dirty="0">
-                <a:solidFill>
-                  <a:srgbClr val="262626"/>
-                </a:solidFill>
-              </a:rPr>
-              <a:t>How to transfer NFT</a:t>
-            </a:r>
-            <a:endParaRPr lang="en-US" altLang="en-US" sz="1800" dirty="0">
-              <a:solidFill>
-                <a:srgbClr val="262626"/>
-              </a:solidFill>
-            </a:endParaRPr>
-          </a:p>
-        </p:txBody>
-      </p:sp>
+        </p:txBody>
+      </p:sp>
+      <p:pic>
+        <p:nvPicPr>
+          <p:cNvPr id="5" name="图片 4"/>
+          <p:cNvPicPr>
+            <a:picLocks noChangeAspect="1"/>
+          </p:cNvPicPr>
+          <p:nvPr/>
+        </p:nvPicPr>
+        <p:blipFill>
+          <a:blip r:embed="rId1"/>
+          <a:stretch>
+            <a:fillRect/>
+          </a:stretch>
+        </p:blipFill>
+        <p:spPr>
+          <a:xfrm>
+            <a:off x="628650" y="1544955"/>
+            <a:ext cx="3648075" cy="2066925"/>
+          </a:xfrm>
+          <a:prstGeom prst="rect">
+            <a:avLst/>
+          </a:prstGeom>
+        </p:spPr>
+      </p:pic>
+      <p:pic>
+        <p:nvPicPr>
+          <p:cNvPr id="7" name="图片 6"/>
+          <p:cNvPicPr>
+            <a:picLocks noChangeAspect="1"/>
+          </p:cNvPicPr>
+          <p:nvPr/>
+        </p:nvPicPr>
+        <p:blipFill>
+          <a:blip r:embed="rId2"/>
+          <a:stretch>
+            <a:fillRect/>
+          </a:stretch>
+        </p:blipFill>
+        <p:spPr>
+          <a:xfrm>
+            <a:off x="628650" y="3611880"/>
+            <a:ext cx="5743575" cy="1095375"/>
+          </a:xfrm>
+          <a:prstGeom prst="rect">
+            <a:avLst/>
+          </a:prstGeom>
+        </p:spPr>
+      </p:pic>
+      <p:pic>
+        <p:nvPicPr>
+          <p:cNvPr id="8" name="图片 7"/>
+          <p:cNvPicPr>
+            <a:picLocks noChangeAspect="1"/>
+          </p:cNvPicPr>
+          <p:nvPr/>
+        </p:nvPicPr>
+        <p:blipFill>
+          <a:blip r:embed="rId3"/>
+          <a:stretch>
+            <a:fillRect/>
+          </a:stretch>
+        </p:blipFill>
+        <p:spPr>
+          <a:xfrm>
+            <a:off x="628650" y="4707255"/>
+            <a:ext cx="4524375" cy="1209675"/>
+          </a:xfrm>
+          <a:prstGeom prst="rect">
+            <a:avLst/>
+          </a:prstGeom>
+        </p:spPr>
+      </p:pic>
     </p:spTree>
   </p:cSld>
   <p:clrMapOvr>
@@ -8205,16 +10802,9 @@
                 <a:cs typeface="Calibri" panose="020F0502020204030204" pitchFamily="34" charset="0"/>
                 <a:sym typeface="+mn-ea"/>
               </a:rPr>
-              <a:t>Code Demo: </a:t>
-            </a:r>
-            <a:r>
-              <a:rPr lang="en-US" sz="3200" b="1" dirty="0">
-                <a:latin typeface="Calibri" panose="020F0502020204030204" pitchFamily="34" charset="0"/>
-                <a:cs typeface="Calibri" panose="020F0502020204030204" pitchFamily="34" charset="0"/>
-              </a:rPr>
-              <a:t>How to use opensea js</a:t>
-            </a:r>
-            <a:endParaRPr lang="en-US" sz="3200" b="1" dirty="0">
+              <a:t>What is ERC721</a:t>
+            </a:r>
+            <a:endParaRPr lang="zh-CN" altLang="en-US" sz="3200" b="1" dirty="0">
               <a:latin typeface="Calibri" panose="020F0502020204030204" pitchFamily="34" charset="0"/>
               <a:cs typeface="Calibri" panose="020F0502020204030204" pitchFamily="34" charset="0"/>
             </a:endParaRPr>
@@ -8243,6 +10833,336 @@
           </a:bodyPr>
           <a:lstStyle/>
           <a:p>
+            <a:pPr marL="0" lvl="0" indent="0" defTabSz="342900">
+              <a:lnSpc>
+                <a:spcPct val="120000"/>
+              </a:lnSpc>
+              <a:buFont typeface="Arial" panose="020B0604020202020204" pitchFamily="34" charset="0"/>
+              <a:buNone/>
+            </a:pPr>
+            <a:r>
+              <a:rPr lang="en-US" altLang="en-US" sz="1800" dirty="0">
+                <a:solidFill>
+                  <a:srgbClr val="262626"/>
+                </a:solidFill>
+              </a:rPr>
+              <a:t>1. Approval and Operator </a:t>
+            </a:r>
+            <a:endParaRPr lang="en-US" altLang="en-US" sz="1800" dirty="0">
+              <a:solidFill>
+                <a:srgbClr val="262626"/>
+              </a:solidFill>
+            </a:endParaRPr>
+          </a:p>
+          <a:p>
+            <a:pPr marL="0" lvl="0" indent="0" defTabSz="342900">
+              <a:lnSpc>
+                <a:spcPct val="120000"/>
+              </a:lnSpc>
+              <a:buFont typeface="Arial" panose="020B0604020202020204" pitchFamily="34" charset="0"/>
+              <a:buNone/>
+            </a:pPr>
+            <a:r>
+              <a:rPr lang="en-US" altLang="en-US" sz="1800" dirty="0">
+                <a:solidFill>
+                  <a:srgbClr val="262626"/>
+                </a:solidFill>
+              </a:rPr>
+              <a:t>enables or disables (`approved`) `operator` to manage all of its assets</a:t>
+            </a:r>
+            <a:endParaRPr lang="en-US" altLang="en-US" sz="1800" dirty="0">
+              <a:solidFill>
+                <a:srgbClr val="262626"/>
+              </a:solidFill>
+            </a:endParaRPr>
+          </a:p>
+          <a:p>
+            <a:pPr marL="0" lvl="0" indent="0" defTabSz="342900">
+              <a:lnSpc>
+                <a:spcPct val="120000"/>
+              </a:lnSpc>
+              <a:buFont typeface="Arial" panose="020B0604020202020204" pitchFamily="34" charset="0"/>
+              <a:buNone/>
+            </a:pPr>
+            <a:r>
+              <a:rPr lang="en-US" altLang="en-US" sz="1800" dirty="0">
+                <a:solidFill>
+                  <a:srgbClr val="262626"/>
+                </a:solidFill>
+              </a:rPr>
+              <a:t>Operators can call {transferFrom} or {safeTransferFrom} for any token owned by the caller</a:t>
+            </a:r>
+            <a:endParaRPr lang="en-US" altLang="en-US" sz="1800" dirty="0">
+              <a:solidFill>
+                <a:srgbClr val="262626"/>
+              </a:solidFill>
+            </a:endParaRPr>
+          </a:p>
+          <a:p>
+            <a:pPr marL="0" lvl="0" indent="0" defTabSz="342900">
+              <a:lnSpc>
+                <a:spcPct val="120000"/>
+              </a:lnSpc>
+              <a:buFont typeface="Arial" panose="020B0604020202020204" pitchFamily="34" charset="0"/>
+              <a:buNone/>
+            </a:pPr>
+            <a:endParaRPr lang="en-US" altLang="en-US" sz="1800" dirty="0">
+              <a:solidFill>
+                <a:srgbClr val="262626"/>
+              </a:solidFill>
+            </a:endParaRPr>
+          </a:p>
+          <a:p>
+            <a:pPr marL="0" lvl="0" indent="0" defTabSz="342900">
+              <a:lnSpc>
+                <a:spcPct val="120000"/>
+              </a:lnSpc>
+              <a:buFont typeface="Arial" panose="020B0604020202020204" pitchFamily="34" charset="0"/>
+              <a:buNone/>
+            </a:pPr>
+            <a:r>
+              <a:rPr lang="en-US" altLang="en-US" sz="1800" dirty="0">
+                <a:solidFill>
+                  <a:srgbClr val="262626"/>
+                </a:solidFill>
+              </a:rPr>
+              <a:t>2. TokenURI store all the metadata for this NFT</a:t>
+            </a:r>
+            <a:endParaRPr lang="en-US" altLang="en-US" sz="1800" dirty="0">
+              <a:solidFill>
+                <a:srgbClr val="262626"/>
+              </a:solidFill>
+            </a:endParaRPr>
+          </a:p>
+          <a:p>
+            <a:pPr marL="0" lvl="0" indent="0" defTabSz="342900">
+              <a:lnSpc>
+                <a:spcPct val="120000"/>
+              </a:lnSpc>
+              <a:buFont typeface="Arial" panose="020B0604020202020204" pitchFamily="34" charset="0"/>
+              <a:buNone/>
+            </a:pPr>
+            <a:r>
+              <a:rPr lang="en-US" altLang="en-US" sz="1800" dirty="0">
+                <a:solidFill>
+                  <a:srgbClr val="262626"/>
+                </a:solidFill>
+              </a:rPr>
+              <a:t>	how to make it more decentralized or transparent: IPFS</a:t>
+            </a:r>
+            <a:endParaRPr lang="en-US" altLang="en-US" sz="1800" dirty="0">
+              <a:solidFill>
+                <a:srgbClr val="262626"/>
+              </a:solidFill>
+            </a:endParaRPr>
+          </a:p>
+          <a:p>
+            <a:pPr marL="0" lvl="0" indent="0" defTabSz="342900">
+              <a:lnSpc>
+                <a:spcPct val="120000"/>
+              </a:lnSpc>
+              <a:buFont typeface="Arial" panose="020B0604020202020204" pitchFamily="34" charset="0"/>
+              <a:buNone/>
+            </a:pPr>
+            <a:endParaRPr lang="en-US" altLang="en-US" sz="1800" dirty="0">
+              <a:solidFill>
+                <a:srgbClr val="262626"/>
+              </a:solidFill>
+            </a:endParaRPr>
+          </a:p>
+        </p:txBody>
+      </p:sp>
+    </p:spTree>
+  </p:cSld>
+  <p:clrMapOvr>
+    <a:masterClrMapping/>
+  </p:clrMapOvr>
+</p:sld>
+</file>
+
+<file path=ppt/slides/slide7.xml><?xml version="1.0" encoding="utf-8"?>
+<p:sld xmlns:a="http://schemas.openxmlformats.org/drawingml/2006/main" xmlns:r="http://schemas.openxmlformats.org/officeDocument/2006/relationships" xmlns:p="http://schemas.openxmlformats.org/presentationml/2006/main">
+  <p:cSld>
+    <p:spTree>
+      <p:nvGrpSpPr>
+        <p:cNvPr id="1" name=""/>
+        <p:cNvGrpSpPr/>
+        <p:nvPr/>
+      </p:nvGrpSpPr>
+      <p:grpSpPr>
+        <a:xfrm>
+          <a:off x="0" y="0"/>
+          <a:ext cx="0" cy="0"/>
+          <a:chOff x="0" y="0"/>
+          <a:chExt cx="0" cy="0"/>
+        </a:xfrm>
+      </p:grpSpPr>
+      <p:sp>
+        <p:nvSpPr>
+          <p:cNvPr id="2" name="Title 1"/>
+          <p:cNvSpPr>
+            <a:spLocks noGrp="1"/>
+          </p:cNvSpPr>
+          <p:nvPr>
+            <p:ph type="title"/>
+          </p:nvPr>
+        </p:nvSpPr>
+        <p:spPr>
+          <a:xfrm>
+            <a:off x="628650" y="155263"/>
+            <a:ext cx="7886700" cy="526790"/>
+          </a:xfrm>
+        </p:spPr>
+        <p:txBody>
+          <a:bodyPr>
+            <a:normAutofit fontScale="90000"/>
+          </a:bodyPr>
+          <a:lstStyle/>
+          <a:p>
+            <a:pPr algn="ctr"/>
+            <a:r>
+              <a:rPr lang="en-US" sz="3200" b="1" dirty="0">
+                <a:latin typeface="Calibri" panose="020F0502020204030204" pitchFamily="34" charset="0"/>
+                <a:cs typeface="Calibri" panose="020F0502020204030204" pitchFamily="34" charset="0"/>
+              </a:rPr>
+              <a:t>How to Create Debt ERC721</a:t>
+            </a:r>
+            <a:endParaRPr lang="zh-CN" altLang="en-US" sz="3200" b="1" dirty="0">
+              <a:latin typeface="Calibri" panose="020F0502020204030204" pitchFamily="34" charset="0"/>
+              <a:cs typeface="Calibri" panose="020F0502020204030204" pitchFamily="34" charset="0"/>
+            </a:endParaRPr>
+          </a:p>
+        </p:txBody>
+      </p:sp>
+      <p:sp>
+        <p:nvSpPr>
+          <p:cNvPr id="3" name="Content Placeholder 2"/>
+          <p:cNvSpPr>
+            <a:spLocks noGrp="1"/>
+          </p:cNvSpPr>
+          <p:nvPr>
+            <p:ph idx="1"/>
+          </p:nvPr>
+        </p:nvSpPr>
+        <p:spPr>
+          <a:xfrm>
+            <a:off x="628650" y="989044"/>
+            <a:ext cx="7886700" cy="5605719"/>
+          </a:xfrm>
+        </p:spPr>
+        <p:txBody>
+          <a:bodyPr>
+            <a:normAutofit/>
+          </a:bodyPr>
+          <a:lstStyle/>
+          <a:p>
+            <a:pPr marL="0" lvl="0" indent="0" defTabSz="342900">
+              <a:lnSpc>
+                <a:spcPct val="120000"/>
+              </a:lnSpc>
+              <a:buFont typeface="Arial" panose="020B0604020202020204" pitchFamily="34" charset="0"/>
+              <a:buNone/>
+            </a:pPr>
+            <a:r>
+              <a:rPr lang="en-US" altLang="en-US" sz="1800" dirty="0">
+                <a:solidFill>
+                  <a:srgbClr val="262626"/>
+                </a:solidFill>
+              </a:rPr>
+              <a:t>ERC721 Code Demo</a:t>
+            </a:r>
+            <a:endParaRPr lang="en-US" altLang="en-US" sz="1800" dirty="0">
+              <a:solidFill>
+                <a:srgbClr val="262626"/>
+              </a:solidFill>
+            </a:endParaRPr>
+          </a:p>
+        </p:txBody>
+      </p:sp>
+    </p:spTree>
+  </p:cSld>
+  <p:clrMapOvr>
+    <a:masterClrMapping/>
+  </p:clrMapOvr>
+</p:sld>
+</file>
+
+<file path=ppt/slides/slide8.xml><?xml version="1.0" encoding="utf-8"?>
+<p:sld xmlns:a="http://schemas.openxmlformats.org/drawingml/2006/main" xmlns:r="http://schemas.openxmlformats.org/officeDocument/2006/relationships" xmlns:p="http://schemas.openxmlformats.org/presentationml/2006/main">
+  <p:cSld>
+    <p:spTree>
+      <p:nvGrpSpPr>
+        <p:cNvPr id="1" name=""/>
+        <p:cNvGrpSpPr/>
+        <p:nvPr/>
+      </p:nvGrpSpPr>
+      <p:grpSpPr>
+        <a:xfrm>
+          <a:off x="0" y="0"/>
+          <a:ext cx="0" cy="0"/>
+          <a:chOff x="0" y="0"/>
+          <a:chExt cx="0" cy="0"/>
+        </a:xfrm>
+      </p:grpSpPr>
+      <p:sp>
+        <p:nvSpPr>
+          <p:cNvPr id="2" name="Title 1"/>
+          <p:cNvSpPr>
+            <a:spLocks noGrp="1"/>
+          </p:cNvSpPr>
+          <p:nvPr>
+            <p:ph type="title"/>
+          </p:nvPr>
+        </p:nvSpPr>
+        <p:spPr>
+          <a:xfrm>
+            <a:off x="628650" y="155263"/>
+            <a:ext cx="7886700" cy="526790"/>
+          </a:xfrm>
+        </p:spPr>
+        <p:txBody>
+          <a:bodyPr>
+            <a:normAutofit fontScale="90000"/>
+          </a:bodyPr>
+          <a:lstStyle/>
+          <a:p>
+            <a:pPr algn="ctr"/>
+            <a:r>
+              <a:rPr lang="en-US" sz="3200" b="1" dirty="0">
+                <a:latin typeface="Calibri" panose="020F0502020204030204" pitchFamily="34" charset="0"/>
+                <a:cs typeface="Calibri" panose="020F0502020204030204" pitchFamily="34" charset="0"/>
+              </a:rPr>
+              <a:t>What is Opensea</a:t>
+            </a:r>
+            <a:endParaRPr lang="en-US" sz="3200" b="1" dirty="0">
+              <a:latin typeface="Calibri" panose="020F0502020204030204" pitchFamily="34" charset="0"/>
+              <a:cs typeface="Calibri" panose="020F0502020204030204" pitchFamily="34" charset="0"/>
+            </a:endParaRPr>
+          </a:p>
+        </p:txBody>
+      </p:sp>
+      <p:sp>
+        <p:nvSpPr>
+          <p:cNvPr id="3" name="Content Placeholder 2"/>
+          <p:cNvSpPr>
+            <a:spLocks noGrp="1"/>
+          </p:cNvSpPr>
+          <p:nvPr>
+            <p:ph idx="1"/>
+          </p:nvPr>
+        </p:nvSpPr>
+        <p:spPr>
+          <a:xfrm>
+            <a:off x="628650" y="989044"/>
+            <a:ext cx="7886700" cy="5605719"/>
+          </a:xfrm>
+        </p:spPr>
+        <p:txBody>
+          <a:bodyPr>
+            <a:normAutofit/>
+          </a:bodyPr>
+          <a:lstStyle/>
+          <a:p>
             <a:pPr marL="228600" lvl="0" indent="-228600" defTabSz="342900">
               <a:lnSpc>
                 <a:spcPct val="120000"/>
@@ -8256,7 +11176,7 @@
                   <a:srgbClr val="262626"/>
                 </a:solidFill>
               </a:rPr>
-              <a:t>initiate the sale</a:t>
+              <a:t>The largest marketplace for digital goods</a:t>
             </a:r>
             <a:endParaRPr lang="en-US" altLang="en-US" sz="1800" dirty="0">
               <a:solidFill>
@@ -8272,13 +11192,27 @@
               <a:buFont typeface="Arial" panose="020B0604020202020204" pitchFamily="34" charset="0"/>
               <a:buChar char="•"/>
             </a:pPr>
+            <a:endParaRPr lang="en-US" altLang="en-US" sz="1800" dirty="0">
+              <a:solidFill>
+                <a:srgbClr val="262626"/>
+              </a:solidFill>
+            </a:endParaRPr>
+          </a:p>
+          <a:p>
+            <a:pPr marL="228600" lvl="0" indent="-228600" defTabSz="342900">
+              <a:lnSpc>
+                <a:spcPct val="120000"/>
+              </a:lnSpc>
+              <a:buFont typeface="Arial" panose="020B0604020202020204" pitchFamily="34" charset="0"/>
+              <a:buChar char="•"/>
+            </a:pPr>
             <a:r>
               <a:rPr lang="en-US" altLang="en-US" sz="1800" dirty="0">
                 <a:solidFill>
                   <a:srgbClr val="262626"/>
                 </a:solidFill>
               </a:rPr>
-              <a:t>batch sale</a:t>
+              <a:t>OpenSea is the first and largest marketplace for user-owned digital goods, which include collectibles, gaming items, domain names, digital art, and other assets backed by a blockchain.</a:t>
             </a:r>
             <a:endParaRPr lang="en-US" altLang="en-US" sz="1800" dirty="0">
               <a:solidFill>
@@ -8286,8 +11220,203 @@
               </a:solidFill>
             </a:endParaRPr>
           </a:p>
-        </p:txBody>
-      </p:sp>
+          <a:p>
+            <a:pPr marL="228600" lvl="0" indent="-228600" defTabSz="342900">
+              <a:lnSpc>
+                <a:spcPct val="120000"/>
+              </a:lnSpc>
+              <a:buFont typeface="Arial" panose="020B0604020202020204" pitchFamily="34" charset="0"/>
+              <a:buChar char="•"/>
+            </a:pPr>
+            <a:endParaRPr lang="en-US" altLang="en-US" sz="1800" dirty="0">
+              <a:solidFill>
+                <a:srgbClr val="262626"/>
+              </a:solidFill>
+            </a:endParaRPr>
+          </a:p>
+          <a:p>
+            <a:pPr marL="228600" lvl="0" indent="-228600" defTabSz="342900">
+              <a:lnSpc>
+                <a:spcPct val="120000"/>
+              </a:lnSpc>
+              <a:buFont typeface="Arial" panose="020B0604020202020204" pitchFamily="34" charset="0"/>
+              <a:buChar char="•"/>
+            </a:pPr>
+            <a:r>
+              <a:rPr lang="en-US" altLang="en-US" sz="1800" dirty="0">
+                <a:solidFill>
+                  <a:srgbClr val="262626"/>
+                </a:solidFill>
+              </a:rPr>
+              <a:t>i.e. NTF market : Decentralized Ecommerce Market place</a:t>
+            </a:r>
+            <a:endParaRPr lang="en-US" altLang="en-US" sz="1800" dirty="0">
+              <a:solidFill>
+                <a:srgbClr val="262626"/>
+              </a:solidFill>
+            </a:endParaRPr>
+          </a:p>
+          <a:p>
+            <a:pPr marL="228600" lvl="0" indent="-228600" defTabSz="342900">
+              <a:lnSpc>
+                <a:spcPct val="120000"/>
+              </a:lnSpc>
+              <a:buFont typeface="Arial" panose="020B0604020202020204" pitchFamily="34" charset="0"/>
+              <a:buChar char="•"/>
+            </a:pPr>
+            <a:endParaRPr lang="en-US" altLang="en-US" sz="1800" dirty="0">
+              <a:solidFill>
+                <a:srgbClr val="262626"/>
+              </a:solidFill>
+            </a:endParaRPr>
+          </a:p>
+        </p:txBody>
+      </p:sp>
+    </p:spTree>
+  </p:cSld>
+  <p:clrMapOvr>
+    <a:masterClrMapping/>
+  </p:clrMapOvr>
+</p:sld>
+</file>
+
+<file path=ppt/slides/slide9.xml><?xml version="1.0" encoding="utf-8"?>
+<p:sld xmlns:a="http://schemas.openxmlformats.org/drawingml/2006/main" xmlns:r="http://schemas.openxmlformats.org/officeDocument/2006/relationships" xmlns:p="http://schemas.openxmlformats.org/presentationml/2006/main">
+  <p:cSld>
+    <p:spTree>
+      <p:nvGrpSpPr>
+        <p:cNvPr id="1" name=""/>
+        <p:cNvGrpSpPr/>
+        <p:nvPr/>
+      </p:nvGrpSpPr>
+      <p:grpSpPr>
+        <a:xfrm>
+          <a:off x="0" y="0"/>
+          <a:ext cx="0" cy="0"/>
+          <a:chOff x="0" y="0"/>
+          <a:chExt cx="0" cy="0"/>
+        </a:xfrm>
+      </p:grpSpPr>
+      <p:sp>
+        <p:nvSpPr>
+          <p:cNvPr id="2" name="Title 1"/>
+          <p:cNvSpPr>
+            <a:spLocks noGrp="1"/>
+          </p:cNvSpPr>
+          <p:nvPr>
+            <p:ph type="title"/>
+          </p:nvPr>
+        </p:nvSpPr>
+        <p:spPr>
+          <a:xfrm>
+            <a:off x="628650" y="155263"/>
+            <a:ext cx="7886700" cy="526790"/>
+          </a:xfrm>
+        </p:spPr>
+        <p:txBody>
+          <a:bodyPr>
+            <a:normAutofit fontScale="90000"/>
+          </a:bodyPr>
+          <a:lstStyle/>
+          <a:p>
+            <a:pPr algn="ctr"/>
+            <a:r>
+              <a:rPr lang="en-US" sz="3200" b="1" dirty="0">
+                <a:latin typeface="Calibri" panose="020F0502020204030204" pitchFamily="34" charset="0"/>
+                <a:cs typeface="Calibri" panose="020F0502020204030204" pitchFamily="34" charset="0"/>
+              </a:rPr>
+              <a:t>What is Opensea</a:t>
+            </a:r>
+            <a:endParaRPr lang="en-US" sz="3200" b="1" dirty="0">
+              <a:latin typeface="Calibri" panose="020F0502020204030204" pitchFamily="34" charset="0"/>
+              <a:cs typeface="Calibri" panose="020F0502020204030204" pitchFamily="34" charset="0"/>
+            </a:endParaRPr>
+          </a:p>
+        </p:txBody>
+      </p:sp>
+      <p:sp>
+        <p:nvSpPr>
+          <p:cNvPr id="3" name="Content Placeholder 2"/>
+          <p:cNvSpPr>
+            <a:spLocks noGrp="1"/>
+          </p:cNvSpPr>
+          <p:nvPr>
+            <p:ph idx="1"/>
+          </p:nvPr>
+        </p:nvSpPr>
+        <p:spPr>
+          <a:xfrm>
+            <a:off x="628650" y="989044"/>
+            <a:ext cx="7886700" cy="5605719"/>
+          </a:xfrm>
+        </p:spPr>
+        <p:txBody>
+          <a:bodyPr>
+            <a:normAutofit/>
+          </a:bodyPr>
+          <a:lstStyle/>
+          <a:p>
+            <a:pPr marL="228600" lvl="0" indent="-228600" defTabSz="342900">
+              <a:lnSpc>
+                <a:spcPct val="120000"/>
+              </a:lnSpc>
+              <a:buFont typeface="Arial" panose="020B0604020202020204" pitchFamily="34" charset="0"/>
+              <a:buChar char="•"/>
+            </a:pPr>
+            <a:r>
+              <a:rPr lang="en-US" altLang="en-US" sz="1800" dirty="0">
+                <a:solidFill>
+                  <a:srgbClr val="262626"/>
+                </a:solidFill>
+              </a:rPr>
+              <a:t>Category - Search Bar - Goods Listing (go through the website)</a:t>
+            </a:r>
+            <a:endParaRPr lang="en-US" altLang="en-US" sz="1800" dirty="0">
+              <a:solidFill>
+                <a:srgbClr val="262626"/>
+              </a:solidFill>
+            </a:endParaRPr>
+          </a:p>
+          <a:p>
+            <a:pPr marL="228600" lvl="0" indent="-228600" defTabSz="342900">
+              <a:lnSpc>
+                <a:spcPct val="120000"/>
+              </a:lnSpc>
+              <a:buFont typeface="Arial" panose="020B0604020202020204" pitchFamily="34" charset="0"/>
+              <a:buChar char="•"/>
+            </a:pPr>
+            <a:endParaRPr lang="en-US" altLang="en-US" sz="1800" dirty="0">
+              <a:solidFill>
+                <a:srgbClr val="262626"/>
+              </a:solidFill>
+            </a:endParaRPr>
+          </a:p>
+        </p:txBody>
+      </p:sp>
+      <p:pic>
+        <p:nvPicPr>
+          <p:cNvPr id="5" name="图片 4"/>
+          <p:cNvPicPr>
+            <a:picLocks noChangeAspect="1"/>
+          </p:cNvPicPr>
+          <p:nvPr/>
+        </p:nvPicPr>
+        <p:blipFill>
+          <a:blip r:embed="rId1"/>
+          <a:stretch>
+            <a:fillRect/>
+          </a:stretch>
+        </p:blipFill>
+        <p:spPr>
+          <a:xfrm>
+            <a:off x="628650" y="1506220"/>
+            <a:ext cx="8119745" cy="3845560"/>
+          </a:xfrm>
+          <a:prstGeom prst="rect">
+            <a:avLst/>
+          </a:prstGeom>
+        </p:spPr>
+      </p:pic>
     </p:spTree>
   </p:cSld>
   <p:clrMapOvr>
